--- a/Documents/The Milky Way and its Millisecond Pulsar Population.pptx
+++ b/Documents/The Milky Way and its Millisecond Pulsar Population.pptx
@@ -5,19 +5,20 @@
     <p:sldMasterId id="2147483851" r:id="rId1"/>
   </p:sldMasterIdLst>
   <p:notesMasterIdLst>
-    <p:notesMasterId r:id="rId12"/>
+    <p:notesMasterId r:id="rId13"/>
   </p:notesMasterIdLst>
   <p:sldIdLst>
     <p:sldId id="256" r:id="rId2"/>
     <p:sldId id="257" r:id="rId3"/>
-    <p:sldId id="264" r:id="rId4"/>
-    <p:sldId id="258" r:id="rId5"/>
-    <p:sldId id="262" r:id="rId6"/>
-    <p:sldId id="259" r:id="rId7"/>
+    <p:sldId id="266" r:id="rId4"/>
+    <p:sldId id="264" r:id="rId5"/>
+    <p:sldId id="258" r:id="rId6"/>
+    <p:sldId id="262" r:id="rId7"/>
     <p:sldId id="260" r:id="rId8"/>
     <p:sldId id="265" r:id="rId9"/>
-    <p:sldId id="261" r:id="rId10"/>
-    <p:sldId id="263" r:id="rId11"/>
+    <p:sldId id="259" r:id="rId10"/>
+    <p:sldId id="261" r:id="rId11"/>
+    <p:sldId id="263" r:id="rId12"/>
   </p:sldIdLst>
   <p:sldSz cx="12192000" cy="6858000"/>
   <p:notesSz cx="6858000" cy="9144000"/>
@@ -206,7 +207,7 @@
           <a:p>
             <a:fld id="{75202F4A-0407-4F23-82C4-EE0ACC59E947}" type="datetimeFigureOut">
               <a:rPr lang="de-DE" smtClean="0"/>
-              <a:t>10.11.2020</a:t>
+              <a:t>12.11.2020</a:t>
             </a:fld>
             <a:endParaRPr lang="de-DE"/>
           </a:p>
@@ -632,7 +633,7 @@
     </p:spTree>
     <p:extLst>
       <p:ext uri="{BB962C8B-B14F-4D97-AF65-F5344CB8AC3E}">
-        <p14:creationId xmlns:p14="http://schemas.microsoft.com/office/powerpoint/2010/main" val="1392016997"/>
+        <p14:creationId xmlns:p14="http://schemas.microsoft.com/office/powerpoint/2010/main" val="916895657"/>
       </p:ext>
     </p:extLst>
   </p:cSld>
@@ -686,88 +687,7 @@
           <a:bodyPr/>
           <a:lstStyle/>
           <a:p>
-            <a:pPr marL="171450" indent="-171450">
-              <a:buFont typeface="Arial" panose="020B0604020202020204" pitchFamily="34" charset="0"/>
-              <a:buChar char="•"/>
-            </a:pPr>
-            <a:r>
-              <a:rPr lang="en-US" dirty="0"/>
-              <a:t>Neutron stars are dead stars formed after a Supernova explosion if their mass is at the Chandrasekhar limit. They gain their massive spin from the conservation of angular momentum where if they lose a significant portion of their mass and size, they need to make up for it with their rotational velocity.</a:t>
-            </a:r>
-          </a:p>
-          <a:p>
-            <a:pPr marL="171450" marR="0" lvl="0" indent="-171450" algn="l" defTabSz="914400" rtl="0" eaLnBrk="1" fontAlgn="auto" latinLnBrk="0" hangingPunct="1">
-              <a:lnSpc>
-                <a:spcPct val="100000"/>
-              </a:lnSpc>
-              <a:spcBef>
-                <a:spcPts val="0"/>
-              </a:spcBef>
-              <a:spcAft>
-                <a:spcPts val="0"/>
-              </a:spcAft>
-              <a:buClrTx/>
-              <a:buSzTx/>
-              <a:buFont typeface="Arial" panose="020B0604020202020204" pitchFamily="34" charset="0"/>
-              <a:buChar char="•"/>
-              <a:tabLst/>
-              <a:defRPr/>
-            </a:pPr>
-            <a:r>
-              <a:rPr lang="en-US" dirty="0"/>
-              <a:t>If they rotate quick enough they will emit electromagnetic radiation since charged particles accelerate along their magnetic field lines and this emission can then be observed by us if it passes our line of sight</a:t>
-            </a:r>
-          </a:p>
-          <a:p>
-            <a:pPr marL="171450" indent="-171450">
-              <a:buFont typeface="Arial" panose="020B0604020202020204" pitchFamily="34" charset="0"/>
-              <a:buChar char="•"/>
-            </a:pPr>
-            <a:r>
-              <a:rPr lang="en-US" dirty="0"/>
-              <a:t>Millisecond pulsars are a class of pulsars that rotate extremely quick</a:t>
-            </a:r>
-          </a:p>
-          <a:p>
-            <a:pPr marL="628650" lvl="1" indent="-171450">
-              <a:buFont typeface="Arial" panose="020B0604020202020204" pitchFamily="34" charset="0"/>
-              <a:buChar char="•"/>
-            </a:pPr>
-            <a:r>
-              <a:rPr lang="en-US" dirty="0"/>
-              <a:t>To achieve their rotational speeds it has to accrete mass from another star making them commonly found in binary systems and so globular clusters, being the densest environment of a galaxy tend to be a nursery for such objects</a:t>
-            </a:r>
-          </a:p>
-          <a:p>
-            <a:pPr marL="628650" lvl="1" indent="-171450">
-              <a:buFont typeface="Arial" panose="020B0604020202020204" pitchFamily="34" charset="0"/>
-              <a:buChar char="•"/>
-            </a:pPr>
-            <a:r>
-              <a:rPr lang="en-US" dirty="0"/>
-              <a:t>If the binary star undergoes a supernova explosion the MSP may be ejected – there is still a mystery as to why there is such a large fraction of MSP that seem to be in solitary systems (~20%) and so we look at the possibility of captured pulsars from nearby systems such as the LMC and SMC</a:t>
-            </a:r>
             <a:endParaRPr lang="de-DE" dirty="0"/>
-          </a:p>
-          <a:p>
-            <a:pPr marL="171450" indent="-171450">
-              <a:buFont typeface="Arial" panose="020B0604020202020204" pitchFamily="34" charset="0"/>
-              <a:buChar char="•"/>
-            </a:pPr>
-            <a:r>
-              <a:rPr lang="en-US" dirty="0"/>
-              <a:t>We use MSP due to them having a lifetime comparable to the age of the Universe therefore being able to migrate between galactic systems without us ever realizing it. Other classes of pulsars live only up to 100 Myr</a:t>
-            </a:r>
-          </a:p>
-          <a:p>
-            <a:pPr marL="171450" indent="-171450">
-              <a:buFont typeface="Arial" panose="020B0604020202020204" pitchFamily="34" charset="0"/>
-              <a:buChar char="•"/>
-            </a:pPr>
-            <a:r>
-              <a:rPr lang="en-US" dirty="0"/>
-              <a:t>This periodic observation of EM signal every time it crosses our line of sight has given for a wide range of possible research using pulsars in physics, from theory of general relativity to being used to detect the first extra-solar planetary system</a:t>
-            </a:r>
           </a:p>
         </p:txBody>
       </p:sp>
@@ -797,7 +717,7 @@
     </p:spTree>
     <p:extLst>
       <p:ext uri="{BB962C8B-B14F-4D97-AF65-F5344CB8AC3E}">
-        <p14:creationId xmlns:p14="http://schemas.microsoft.com/office/powerpoint/2010/main" val="2436036506"/>
+        <p14:creationId xmlns:p14="http://schemas.microsoft.com/office/powerpoint/2010/main" val="1392016997"/>
       </p:ext>
     </p:extLst>
   </p:cSld>
@@ -851,7 +771,27 @@
           <a:bodyPr/>
           <a:lstStyle/>
           <a:p>
-            <a:endParaRPr lang="de-DE" dirty="0"/>
+            <a:pPr marL="171450" marR="0" lvl="0" indent="-171450" algn="l" defTabSz="914400" rtl="0" eaLnBrk="1" fontAlgn="auto" latinLnBrk="0" hangingPunct="1">
+              <a:lnSpc>
+                <a:spcPct val="100000"/>
+              </a:lnSpc>
+              <a:spcBef>
+                <a:spcPts val="0"/>
+              </a:spcBef>
+              <a:spcAft>
+                <a:spcPts val="0"/>
+              </a:spcAft>
+              <a:buClrTx/>
+              <a:buSzTx/>
+              <a:buFont typeface="Arial" panose="020B0604020202020204" pitchFamily="34" charset="0"/>
+              <a:buChar char="•"/>
+              <a:tabLst/>
+              <a:defRPr/>
+            </a:pPr>
+            <a:r>
+              <a:rPr lang="en-US" dirty="0"/>
+              <a:t>If they rotate quick enough they will emit electromagnetic radiation since charged particles accelerate along their magnetic field lines and this emission can then be observed by us if it passes our line of sight</a:t>
+            </a:r>
           </a:p>
         </p:txBody>
       </p:sp>
@@ -881,7 +821,7 @@
     </p:spTree>
     <p:extLst>
       <p:ext uri="{BB962C8B-B14F-4D97-AF65-F5344CB8AC3E}">
-        <p14:creationId xmlns:p14="http://schemas.microsoft.com/office/powerpoint/2010/main" val="3015205052"/>
+        <p14:creationId xmlns:p14="http://schemas.microsoft.com/office/powerpoint/2010/main" val="2436036506"/>
       </p:ext>
     </p:extLst>
   </p:cSld>
@@ -935,44 +875,6 @@
           <a:bodyPr/>
           <a:lstStyle/>
           <a:p>
-            <a:pPr marL="171450" indent="-171450">
-              <a:buFont typeface="Arial" panose="020B0604020202020204" pitchFamily="34" charset="0"/>
-              <a:buChar char="•"/>
-            </a:pPr>
-            <a:r>
-              <a:rPr lang="en-US" dirty="0"/>
-              <a:t>This was a major assumption in our report as there were no papers found analysing the birthrate of MSP in the LMC</a:t>
-            </a:r>
-          </a:p>
-          <a:p>
-            <a:pPr marL="171450" indent="-171450">
-              <a:buFont typeface="Arial" panose="020B0604020202020204" pitchFamily="34" charset="0"/>
-              <a:buChar char="•"/>
-            </a:pPr>
-            <a:r>
-              <a:rPr lang="en-US" dirty="0"/>
-              <a:t>We used the SFR of the MW and LMC of the last 2Gyr and used it as a ratio of their MSP birthrate based on the observed birthrate of the MW</a:t>
-            </a:r>
-          </a:p>
-          <a:p>
-            <a:pPr marL="171450" indent="-171450">
-              <a:buFont typeface="Arial" panose="020B0604020202020204" pitchFamily="34" charset="0"/>
-              <a:buChar char="•"/>
-            </a:pPr>
-            <a:r>
-              <a:rPr lang="en-US" dirty="0"/>
-              <a:t>Last 2Gyr because our simulation goes 1Gyr back in time</a:t>
-            </a:r>
-          </a:p>
-          <a:p>
-            <a:pPr marL="171450" indent="-171450">
-              <a:buFont typeface="Arial" panose="020B0604020202020204" pitchFamily="34" charset="0"/>
-              <a:buChar char="•"/>
-            </a:pPr>
-            <a:r>
-              <a:rPr lang="en-US" dirty="0"/>
-              <a:t>This gave an original result of a MSP being born every 0.36 Myr but if we incorporate the fact that 20% of them are solitary – which is the population we want as these systems have had a high enough velocity to be ejected from the system, our new birth rate becomes every 1.80 Myr</a:t>
-            </a:r>
             <a:endParaRPr lang="de-DE" dirty="0"/>
           </a:p>
         </p:txBody>
@@ -1003,7 +905,7 @@
     </p:spTree>
     <p:extLst>
       <p:ext uri="{BB962C8B-B14F-4D97-AF65-F5344CB8AC3E}">
-        <p14:creationId xmlns:p14="http://schemas.microsoft.com/office/powerpoint/2010/main" val="2873989840"/>
+        <p14:creationId xmlns:p14="http://schemas.microsoft.com/office/powerpoint/2010/main" val="3015205052"/>
       </p:ext>
     </p:extLst>
   </p:cSld>
@@ -1063,21 +965,8 @@
             </a:pPr>
             <a:r>
               <a:rPr lang="en-US" dirty="0"/>
-              <a:t>Three percent of the MSP had masses above 2.1 </a:t>
-            </a:r>
-            <a:r>
-              <a:rPr lang="en-US" dirty="0" err="1"/>
-              <a:t>M_odot</a:t>
-            </a:r>
-            <a:r>
-              <a:rPr lang="en-US" dirty="0"/>
-              <a:t> but with a maximum mass of 2.15 M_\</a:t>
-            </a:r>
-            <a:r>
-              <a:rPr lang="en-US" dirty="0" err="1"/>
-              <a:t>odot</a:t>
-            </a:r>
-            <a:endParaRPr lang="en-US" dirty="0"/>
+              <a:t>This was a major assumption in our report as there were no papers found analysing the birthrate of MSP in the LMC</a:t>
+            </a:r>
           </a:p>
           <a:p>
             <a:pPr marL="171450" indent="-171450">
@@ -1086,7 +975,27 @@
             </a:pPr>
             <a:r>
               <a:rPr lang="en-US" dirty="0"/>
-              <a:t>Used the values given to work backwards and find standard deviation but there was no theorized function so we used a normal distribution based on CLT</a:t>
+              <a:t>We used the SFR of the MW and LMC of the last 2Gyr and used it as a ratio of their MSP birthrate based on the observed birthrate of the MW</a:t>
+            </a:r>
+          </a:p>
+          <a:p>
+            <a:pPr marL="171450" indent="-171450">
+              <a:buFont typeface="Arial" panose="020B0604020202020204" pitchFamily="34" charset="0"/>
+              <a:buChar char="•"/>
+            </a:pPr>
+            <a:r>
+              <a:rPr lang="en-US" dirty="0"/>
+              <a:t>Last 2Gyr because our simulation goes 1Gyr back in time</a:t>
+            </a:r>
+          </a:p>
+          <a:p>
+            <a:pPr marL="171450" indent="-171450">
+              <a:buFont typeface="Arial" panose="020B0604020202020204" pitchFamily="34" charset="0"/>
+              <a:buChar char="•"/>
+            </a:pPr>
+            <a:r>
+              <a:rPr lang="en-US" dirty="0"/>
+              <a:t>This gave an original result of a MSP being born every 0.36 Myr but if we incorporate the fact that 20% of them are solitary – which is the population we want as these systems have had a high enough velocity to be ejected from the system, our new birth rate becomes every 1.80 Myr</a:t>
             </a:r>
             <a:endParaRPr lang="de-DE" dirty="0"/>
           </a:p>
@@ -1118,7 +1027,7 @@
     </p:spTree>
     <p:extLst>
       <p:ext uri="{BB962C8B-B14F-4D97-AF65-F5344CB8AC3E}">
-        <p14:creationId xmlns:p14="http://schemas.microsoft.com/office/powerpoint/2010/main" val="210838484"/>
+        <p14:creationId xmlns:p14="http://schemas.microsoft.com/office/powerpoint/2010/main" val="2873989840"/>
       </p:ext>
     </p:extLst>
   </p:cSld>
@@ -1172,6 +1081,37 @@
           <a:bodyPr/>
           <a:lstStyle/>
           <a:p>
+            <a:pPr marL="171450" indent="-171450">
+              <a:buFont typeface="Arial" panose="020B0604020202020204" pitchFamily="34" charset="0"/>
+              <a:buChar char="•"/>
+            </a:pPr>
+            <a:r>
+              <a:rPr lang="en-US" dirty="0"/>
+              <a:t>Three percent of the MSP had masses above 2.1 </a:t>
+            </a:r>
+            <a:r>
+              <a:rPr lang="en-US" dirty="0" err="1"/>
+              <a:t>M_odot</a:t>
+            </a:r>
+            <a:r>
+              <a:rPr lang="en-US" dirty="0"/>
+              <a:t> but with a maximum mass of 2.15 M_\</a:t>
+            </a:r>
+            <a:r>
+              <a:rPr lang="en-US" dirty="0" err="1"/>
+              <a:t>odot</a:t>
+            </a:r>
+            <a:endParaRPr lang="en-US" dirty="0"/>
+          </a:p>
+          <a:p>
+            <a:pPr marL="171450" indent="-171450">
+              <a:buFont typeface="Arial" panose="020B0604020202020204" pitchFamily="34" charset="0"/>
+              <a:buChar char="•"/>
+            </a:pPr>
+            <a:r>
+              <a:rPr lang="en-US" dirty="0"/>
+              <a:t>Used the values given to work backwards and find standard deviation but there was no theorized function so we used a normal distribution based on CLT</a:t>
+            </a:r>
             <a:endParaRPr lang="de-DE" dirty="0"/>
           </a:p>
         </p:txBody>
@@ -1194,6 +1134,90 @@
             <a:fld id="{A0F7D781-2B19-46FF-82D1-2A838C7DA24D}" type="slidenum">
               <a:rPr lang="de-DE" smtClean="0"/>
               <a:t>10</a:t>
+            </a:fld>
+            <a:endParaRPr lang="de-DE"/>
+          </a:p>
+        </p:txBody>
+      </p:sp>
+    </p:spTree>
+    <p:extLst>
+      <p:ext uri="{BB962C8B-B14F-4D97-AF65-F5344CB8AC3E}">
+        <p14:creationId xmlns:p14="http://schemas.microsoft.com/office/powerpoint/2010/main" val="210838484"/>
+      </p:ext>
+    </p:extLst>
+  </p:cSld>
+  <p:clrMapOvr>
+    <a:masterClrMapping/>
+  </p:clrMapOvr>
+</p:notes>
+</file>
+
+<file path=ppt/notesSlides/notesSlide8.xml><?xml version="1.0" encoding="utf-8"?>
+<p:notes xmlns:a="http://schemas.openxmlformats.org/drawingml/2006/main" xmlns:r="http://schemas.openxmlformats.org/officeDocument/2006/relationships" xmlns:p="http://schemas.openxmlformats.org/presentationml/2006/main">
+  <p:cSld>
+    <p:spTree>
+      <p:nvGrpSpPr>
+        <p:cNvPr id="1" name=""/>
+        <p:cNvGrpSpPr/>
+        <p:nvPr/>
+      </p:nvGrpSpPr>
+      <p:grpSpPr>
+        <a:xfrm>
+          <a:off x="0" y="0"/>
+          <a:ext cx="0" cy="0"/>
+          <a:chOff x="0" y="0"/>
+          <a:chExt cx="0" cy="0"/>
+        </a:xfrm>
+      </p:grpSpPr>
+      <p:sp>
+        <p:nvSpPr>
+          <p:cNvPr id="2" name="Slide Image Placeholder 1"/>
+          <p:cNvSpPr>
+            <a:spLocks noGrp="1" noRot="1" noChangeAspect="1"/>
+          </p:cNvSpPr>
+          <p:nvPr>
+            <p:ph type="sldImg"/>
+          </p:nvPr>
+        </p:nvSpPr>
+        <p:spPr/>
+      </p:sp>
+      <p:sp>
+        <p:nvSpPr>
+          <p:cNvPr id="3" name="Notes Placeholder 2"/>
+          <p:cNvSpPr>
+            <a:spLocks noGrp="1"/>
+          </p:cNvSpPr>
+          <p:nvPr>
+            <p:ph type="body" idx="1"/>
+          </p:nvPr>
+        </p:nvSpPr>
+        <p:spPr/>
+        <p:txBody>
+          <a:bodyPr/>
+          <a:lstStyle/>
+          <a:p>
+            <a:endParaRPr lang="de-DE" dirty="0"/>
+          </a:p>
+        </p:txBody>
+      </p:sp>
+      <p:sp>
+        <p:nvSpPr>
+          <p:cNvPr id="4" name="Slide Number Placeholder 3"/>
+          <p:cNvSpPr>
+            <a:spLocks noGrp="1"/>
+          </p:cNvSpPr>
+          <p:nvPr>
+            <p:ph type="sldNum" sz="quarter" idx="5"/>
+          </p:nvPr>
+        </p:nvSpPr>
+        <p:spPr/>
+        <p:txBody>
+          <a:bodyPr/>
+          <a:lstStyle/>
+          <a:p>
+            <a:fld id="{A0F7D781-2B19-46FF-82D1-2A838C7DA24D}" type="slidenum">
+              <a:rPr lang="de-DE" smtClean="0"/>
+              <a:t>11</a:t>
             </a:fld>
             <a:endParaRPr lang="de-DE"/>
           </a:p>
@@ -1440,7 +1464,7 @@
           <a:p>
             <a:fld id="{AA70F276-1833-4A75-9C1D-A56E2295A68D}" type="datetimeFigureOut">
               <a:rPr lang="en-US" smtClean="0"/>
-              <a:t>11/10/2020</a:t>
+              <a:t>11/12/2020</a:t>
             </a:fld>
             <a:endParaRPr lang="en-US"/>
           </a:p>
@@ -1648,7 +1672,7 @@
           <a:p>
             <a:fld id="{AA70F276-1833-4A75-9C1D-A56E2295A68D}" type="datetimeFigureOut">
               <a:rPr lang="en-US" smtClean="0"/>
-              <a:t>11/10/2020</a:t>
+              <a:t>11/12/2020</a:t>
             </a:fld>
             <a:endParaRPr lang="en-US"/>
           </a:p>
@@ -1906,7 +1930,7 @@
           <a:p>
             <a:fld id="{AA70F276-1833-4A75-9C1D-A56E2295A68D}" type="datetimeFigureOut">
               <a:rPr lang="en-US" smtClean="0"/>
-              <a:t>11/10/2020</a:t>
+              <a:t>11/12/2020</a:t>
             </a:fld>
             <a:endParaRPr lang="en-US"/>
           </a:p>
@@ -2076,7 +2100,7 @@
           <a:p>
             <a:fld id="{AA70F276-1833-4A75-9C1D-A56E2295A68D}" type="datetimeFigureOut">
               <a:rPr lang="en-US" smtClean="0"/>
-              <a:t>11/10/2020</a:t>
+              <a:t>11/12/2020</a:t>
             </a:fld>
             <a:endParaRPr lang="en-US"/>
           </a:p>
@@ -2413,7 +2437,7 @@
           <a:p>
             <a:fld id="{AA70F276-1833-4A75-9C1D-A56E2295A68D}" type="datetimeFigureOut">
               <a:rPr lang="en-US" smtClean="0"/>
-              <a:t>11/10/2020</a:t>
+              <a:t>11/12/2020</a:t>
             </a:fld>
             <a:endParaRPr lang="en-US"/>
           </a:p>
@@ -2688,7 +2712,7 @@
           <a:p>
             <a:fld id="{AA70F276-1833-4A75-9C1D-A56E2295A68D}" type="datetimeFigureOut">
               <a:rPr lang="en-US" smtClean="0"/>
-              <a:t>11/10/2020</a:t>
+              <a:t>11/12/2020</a:t>
             </a:fld>
             <a:endParaRPr lang="en-US"/>
           </a:p>
@@ -3071,7 +3095,7 @@
           <a:p>
             <a:fld id="{AA70F276-1833-4A75-9C1D-A56E2295A68D}" type="datetimeFigureOut">
               <a:rPr lang="en-US" smtClean="0"/>
-              <a:t>11/10/2020</a:t>
+              <a:t>11/12/2020</a:t>
             </a:fld>
             <a:endParaRPr lang="en-US"/>
           </a:p>
@@ -3189,7 +3213,7 @@
           <a:p>
             <a:fld id="{AA70F276-1833-4A75-9C1D-A56E2295A68D}" type="datetimeFigureOut">
               <a:rPr lang="en-US" smtClean="0"/>
-              <a:t>11/10/2020</a:t>
+              <a:t>11/12/2020</a:t>
             </a:fld>
             <a:endParaRPr lang="en-US"/>
           </a:p>
@@ -3362,7 +3386,7 @@
           <a:p>
             <a:fld id="{AA70F276-1833-4A75-9C1D-A56E2295A68D}" type="datetimeFigureOut">
               <a:rPr lang="en-US" smtClean="0"/>
-              <a:t>11/10/2020</a:t>
+              <a:t>11/12/2020</a:t>
             </a:fld>
             <a:endParaRPr lang="en-US"/>
           </a:p>
@@ -3718,7 +3742,7 @@
           <a:p>
             <a:fld id="{AA70F276-1833-4A75-9C1D-A56E2295A68D}" type="datetimeFigureOut">
               <a:rPr lang="en-US" smtClean="0"/>
-              <a:t>11/10/2020</a:t>
+              <a:t>11/12/2020</a:t>
             </a:fld>
             <a:endParaRPr lang="en-US"/>
           </a:p>
@@ -4066,7 +4090,7 @@
           <a:p>
             <a:fld id="{AA70F276-1833-4A75-9C1D-A56E2295A68D}" type="datetimeFigureOut">
               <a:rPr lang="en-US" smtClean="0"/>
-              <a:t>11/10/2020</a:t>
+              <a:t>11/12/2020</a:t>
             </a:fld>
             <a:endParaRPr lang="en-US"/>
           </a:p>
@@ -4378,7 +4402,7 @@
             <a:fld id="{AA70F276-1833-4A75-9C1D-A56E2295A68D}" type="datetimeFigureOut">
               <a:rPr lang="en-US" smtClean="0"/>
               <a:pPr/>
-              <a:t>11/10/2020</a:t>
+              <a:t>11/12/2020</a:t>
             </a:fld>
             <a:endParaRPr lang="en-US" dirty="0"/>
           </a:p>
@@ -5142,6 +5166,430 @@
           <p:cNvPr id="2" name="Title 1">
             <a:extLst>
               <a:ext uri="{FF2B5EF4-FFF2-40B4-BE49-F238E27FC236}">
+                <a16:creationId xmlns:a16="http://schemas.microsoft.com/office/drawing/2014/main" id="{7BD1A673-39D8-463B-82A7-E576C31AC832}"/>
+              </a:ext>
+            </a:extLst>
+          </p:cNvPr>
+          <p:cNvSpPr>
+            <a:spLocks noGrp="1"/>
+          </p:cNvSpPr>
+          <p:nvPr>
+            <p:ph type="title"/>
+          </p:nvPr>
+        </p:nvSpPr>
+        <p:spPr/>
+        <p:txBody>
+          <a:bodyPr/>
+          <a:lstStyle/>
+          <a:p>
+            <a:r>
+              <a:rPr lang="en-US" b="1" dirty="0">
+                <a:latin typeface="Times New Roman" panose="02020603050405020304" pitchFamily="18" charset="0"/>
+                <a:cs typeface="Times New Roman" panose="02020603050405020304" pitchFamily="18" charset="0"/>
+              </a:rPr>
+              <a:t>Sampled Millisecond Pulsar Population: Mass Distribution</a:t>
+            </a:r>
+            <a:endParaRPr lang="de-DE" dirty="0"/>
+          </a:p>
+        </p:txBody>
+      </p:sp>
+      <mc:AlternateContent xmlns:mc="http://schemas.openxmlformats.org/markup-compatibility/2006" xmlns:a14="http://schemas.microsoft.com/office/drawing/2010/main">
+        <mc:Choice Requires="a14">
+          <p:sp>
+            <p:nvSpPr>
+              <p:cNvPr id="3" name="Content Placeholder 2">
+                <a:extLst>
+                  <a:ext uri="{FF2B5EF4-FFF2-40B4-BE49-F238E27FC236}">
+                    <a16:creationId xmlns:a16="http://schemas.microsoft.com/office/drawing/2014/main" id="{8A093466-BF7B-40D6-9AC4-DCFA51C97653}"/>
+                  </a:ext>
+                </a:extLst>
+              </p:cNvPr>
+              <p:cNvSpPr>
+                <a:spLocks noGrp="1"/>
+              </p:cNvSpPr>
+              <p:nvPr>
+                <p:ph idx="1"/>
+              </p:nvPr>
+            </p:nvSpPr>
+            <p:spPr/>
+            <p:txBody>
+              <a:bodyPr>
+                <a:normAutofit/>
+              </a:bodyPr>
+              <a:lstStyle/>
+              <a:p>
+                <a:pPr>
+                  <a:buFont typeface="Arial" panose="020B0604020202020204" pitchFamily="34" charset="0"/>
+                  <a:buChar char="•"/>
+                </a:pPr>
+                <a:r>
+                  <a:rPr lang="en-US" dirty="0">
+                    <a:latin typeface="Times New Roman" panose="02020603050405020304" pitchFamily="18" charset="0"/>
+                    <a:cs typeface="Times New Roman" panose="02020603050405020304" pitchFamily="18" charset="0"/>
+                  </a:rPr>
+                  <a:t> Energy conservation code</a:t>
+                </a:r>
+              </a:p>
+              <a:p>
+                <a:pPr>
+                  <a:buFont typeface="Arial" panose="020B0604020202020204" pitchFamily="34" charset="0"/>
+                  <a:buChar char="•"/>
+                </a:pPr>
+                <a:r>
+                  <a:rPr lang="en-US" dirty="0">
+                    <a:latin typeface="Times New Roman" panose="02020603050405020304" pitchFamily="18" charset="0"/>
+                    <a:cs typeface="Times New Roman" panose="02020603050405020304" pitchFamily="18" charset="0"/>
+                  </a:rPr>
+                  <a:t> Neutron stars tend to be </a:t>
+                </a:r>
+                <a14:m>
+                  <m:oMath xmlns:m="http://schemas.openxmlformats.org/officeDocument/2006/math">
+                    <m:r>
+                      <a:rPr lang="en-US" b="0" i="1" smtClean="0">
+                        <a:latin typeface="Cambria Math" panose="02040503050406030204" pitchFamily="18" charset="0"/>
+                      </a:rPr>
+                      <m:t>1.4 </m:t>
+                    </m:r>
+                    <m:sSub>
+                      <m:sSubPr>
+                        <m:ctrlPr>
+                          <a:rPr lang="en-US" b="0" i="1" smtClean="0">
+                            <a:latin typeface="Cambria Math" panose="02040503050406030204" pitchFamily="18" charset="0"/>
+                          </a:rPr>
+                        </m:ctrlPr>
+                      </m:sSubPr>
+                      <m:e>
+                        <m:r>
+                          <a:rPr lang="en-US" b="0" i="1" smtClean="0">
+                            <a:latin typeface="Cambria Math" panose="02040503050406030204" pitchFamily="18" charset="0"/>
+                          </a:rPr>
+                          <m:t>𝑀</m:t>
+                        </m:r>
+                      </m:e>
+                      <m:sub>
+                        <m:r>
+                          <a:rPr lang="en-US" b="0" i="1" smtClean="0">
+                            <a:latin typeface="Cambria Math" panose="02040503050406030204" pitchFamily="18" charset="0"/>
+                          </a:rPr>
+                          <m:t>⊙</m:t>
+                        </m:r>
+                      </m:sub>
+                    </m:sSub>
+                  </m:oMath>
+                </a14:m>
+                <a:r>
+                  <a:rPr lang="de-DE" dirty="0">
+                    <a:latin typeface="Times New Roman" panose="02020603050405020304" pitchFamily="18" charset="0"/>
+                    <a:cs typeface="Times New Roman" panose="02020603050405020304" pitchFamily="18" charset="0"/>
+                  </a:rPr>
+                  <a:t> (Chandresakhar limit)</a:t>
+                </a:r>
+              </a:p>
+              <a:p>
+                <a:pPr>
+                  <a:buFont typeface="Arial" panose="020B0604020202020204" pitchFamily="34" charset="0"/>
+                  <a:buChar char="•"/>
+                </a:pPr>
+                <a:r>
+                  <a:rPr lang="de-DE" dirty="0">
+                    <a:latin typeface="Times New Roman" panose="02020603050405020304" pitchFamily="18" charset="0"/>
+                    <a:cs typeface="Times New Roman" panose="02020603050405020304" pitchFamily="18" charset="0"/>
+                  </a:rPr>
+                  <a:t> Millisecond pulsars accrete mass</a:t>
+                </a:r>
+              </a:p>
+              <a:p>
+                <a:pPr lvl="1">
+                  <a:buFont typeface="Arial" panose="020B0604020202020204" pitchFamily="34" charset="0"/>
+                  <a:buChar char="•"/>
+                </a:pPr>
+                <a:r>
+                  <a:rPr lang="de-DE" sz="2000" dirty="0">
+                    <a:latin typeface="Times New Roman" panose="02020603050405020304" pitchFamily="18" charset="0"/>
+                    <a:cs typeface="Times New Roman" panose="02020603050405020304" pitchFamily="18" charset="0"/>
+                  </a:rPr>
+                  <a:t>Data taken from Antoniadis et al. 2016</a:t>
+                </a:r>
+              </a:p>
+              <a:p>
+                <a:pPr lvl="2">
+                  <a:buFont typeface="Arial" panose="020B0604020202020204" pitchFamily="34" charset="0"/>
+                  <a:buChar char="•"/>
+                </a:pPr>
+                <a14:m>
+                  <m:oMath xmlns:m="http://schemas.openxmlformats.org/officeDocument/2006/math">
+                    <m:acc>
+                      <m:accPr>
+                        <m:chr m:val="̅"/>
+                        <m:ctrlPr>
+                          <a:rPr lang="en-US" sz="2000" b="0" i="1" smtClean="0">
+                            <a:latin typeface="Cambria Math" panose="02040503050406030204" pitchFamily="18" charset="0"/>
+                            <a:cs typeface="Times New Roman" panose="02020603050405020304" pitchFamily="18" charset="0"/>
+                          </a:rPr>
+                        </m:ctrlPr>
+                      </m:accPr>
+                      <m:e>
+                        <m:r>
+                          <a:rPr lang="en-US" sz="2000" b="0" i="1" smtClean="0">
+                            <a:latin typeface="Cambria Math" panose="02040503050406030204" pitchFamily="18" charset="0"/>
+                            <a:cs typeface="Times New Roman" panose="02020603050405020304" pitchFamily="18" charset="0"/>
+                          </a:rPr>
+                          <m:t>𝑚</m:t>
+                        </m:r>
+                      </m:e>
+                    </m:acc>
+                    <m:r>
+                      <a:rPr lang="en-US" sz="2000" b="0" i="1" smtClean="0">
+                        <a:latin typeface="Cambria Math" panose="02040503050406030204" pitchFamily="18" charset="0"/>
+                        <a:cs typeface="Times New Roman" panose="02020603050405020304" pitchFamily="18" charset="0"/>
+                      </a:rPr>
+                      <m:t>=1.4 </m:t>
+                    </m:r>
+                    <m:sSub>
+                      <m:sSubPr>
+                        <m:ctrlPr>
+                          <a:rPr lang="en-US" sz="2000" b="0" i="1" smtClean="0">
+                            <a:latin typeface="Cambria Math" panose="02040503050406030204" pitchFamily="18" charset="0"/>
+                            <a:cs typeface="Times New Roman" panose="02020603050405020304" pitchFamily="18" charset="0"/>
+                          </a:rPr>
+                        </m:ctrlPr>
+                      </m:sSubPr>
+                      <m:e>
+                        <m:r>
+                          <a:rPr lang="en-US" sz="2000" b="0" i="1" smtClean="0">
+                            <a:latin typeface="Cambria Math" panose="02040503050406030204" pitchFamily="18" charset="0"/>
+                            <a:cs typeface="Times New Roman" panose="02020603050405020304" pitchFamily="18" charset="0"/>
+                          </a:rPr>
+                          <m:t>𝑀</m:t>
+                        </m:r>
+                      </m:e>
+                      <m:sub>
+                        <m:r>
+                          <a:rPr lang="en-US" sz="2000" b="0" i="1" smtClean="0">
+                            <a:latin typeface="Cambria Math" panose="02040503050406030204" pitchFamily="18" charset="0"/>
+                            <a:cs typeface="Times New Roman" panose="02020603050405020304" pitchFamily="18" charset="0"/>
+                          </a:rPr>
+                          <m:t>⊙</m:t>
+                        </m:r>
+                      </m:sub>
+                    </m:sSub>
+                  </m:oMath>
+                </a14:m>
+                <a:endParaRPr lang="de-DE" sz="2000" dirty="0">
+                  <a:latin typeface="Times New Roman" panose="02020603050405020304" pitchFamily="18" charset="0"/>
+                  <a:cs typeface="Times New Roman" panose="02020603050405020304" pitchFamily="18" charset="0"/>
+                </a:endParaRPr>
+              </a:p>
+              <a:p>
+                <a:pPr lvl="2">
+                  <a:buFont typeface="Arial" panose="020B0604020202020204" pitchFamily="34" charset="0"/>
+                  <a:buChar char="•"/>
+                </a:pPr>
+                <a14:m>
+                  <m:oMath xmlns:m="http://schemas.openxmlformats.org/officeDocument/2006/math">
+                    <m:sSub>
+                      <m:sSubPr>
+                        <m:ctrlPr>
+                          <a:rPr lang="en-US" sz="2000" b="0" i="1" smtClean="0">
+                            <a:latin typeface="Cambria Math" panose="02040503050406030204" pitchFamily="18" charset="0"/>
+                            <a:cs typeface="Times New Roman" panose="02020603050405020304" pitchFamily="18" charset="0"/>
+                          </a:rPr>
+                        </m:ctrlPr>
+                      </m:sSubPr>
+                      <m:e>
+                        <m:r>
+                          <a:rPr lang="en-US" sz="2000" b="0" i="1" smtClean="0">
+                            <a:latin typeface="Cambria Math" panose="02040503050406030204" pitchFamily="18" charset="0"/>
+                            <a:cs typeface="Times New Roman" panose="02020603050405020304" pitchFamily="18" charset="0"/>
+                          </a:rPr>
+                          <m:t>𝜎</m:t>
+                        </m:r>
+                      </m:e>
+                      <m:sub>
+                        <m:r>
+                          <a:rPr lang="en-US" sz="2000" b="0" i="1" smtClean="0">
+                            <a:latin typeface="Cambria Math" panose="02040503050406030204" pitchFamily="18" charset="0"/>
+                            <a:cs typeface="Times New Roman" panose="02020603050405020304" pitchFamily="18" charset="0"/>
+                          </a:rPr>
+                          <m:t>𝑚</m:t>
+                        </m:r>
+                      </m:sub>
+                    </m:sSub>
+                    <m:r>
+                      <a:rPr lang="en-US" sz="2000" b="0" i="0" smtClean="0">
+                        <a:latin typeface="Cambria Math" panose="02040503050406030204" pitchFamily="18" charset="0"/>
+                        <a:cs typeface="Times New Roman" panose="02020603050405020304" pitchFamily="18" charset="0"/>
+                      </a:rPr>
+                      <m:t>=0.3 </m:t>
+                    </m:r>
+                    <m:sSub>
+                      <m:sSubPr>
+                        <m:ctrlPr>
+                          <a:rPr lang="en-US" sz="2000" b="0" i="1" smtClean="0">
+                            <a:latin typeface="Cambria Math" panose="02040503050406030204" pitchFamily="18" charset="0"/>
+                            <a:cs typeface="Times New Roman" panose="02020603050405020304" pitchFamily="18" charset="0"/>
+                          </a:rPr>
+                        </m:ctrlPr>
+                      </m:sSubPr>
+                      <m:e>
+                        <m:r>
+                          <a:rPr lang="en-US" sz="2000" b="0" i="1" smtClean="0">
+                            <a:latin typeface="Cambria Math" panose="02040503050406030204" pitchFamily="18" charset="0"/>
+                            <a:cs typeface="Times New Roman" panose="02020603050405020304" pitchFamily="18" charset="0"/>
+                          </a:rPr>
+                          <m:t>𝑀</m:t>
+                        </m:r>
+                      </m:e>
+                      <m:sub>
+                        <m:r>
+                          <a:rPr lang="en-US" sz="2000" b="0" i="1" smtClean="0">
+                            <a:latin typeface="Cambria Math" panose="02040503050406030204" pitchFamily="18" charset="0"/>
+                            <a:cs typeface="Times New Roman" panose="02020603050405020304" pitchFamily="18" charset="0"/>
+                          </a:rPr>
+                          <m:t>⊙</m:t>
+                        </m:r>
+                      </m:sub>
+                    </m:sSub>
+                  </m:oMath>
+                </a14:m>
+                <a:endParaRPr lang="de-DE" sz="2000" dirty="0">
+                  <a:latin typeface="Times New Roman" panose="02020603050405020304" pitchFamily="18" charset="0"/>
+                  <a:cs typeface="Times New Roman" panose="02020603050405020304" pitchFamily="18" charset="0"/>
+                </a:endParaRPr>
+              </a:p>
+              <a:p>
+                <a:pPr>
+                  <a:buFont typeface="Arial" panose="020B0604020202020204" pitchFamily="34" charset="0"/>
+                  <a:buChar char="•"/>
+                </a:pPr>
+                <a:r>
+                  <a:rPr lang="de-DE" dirty="0">
+                    <a:latin typeface="Times New Roman" panose="02020603050405020304" pitchFamily="18" charset="0"/>
+                    <a:cs typeface="Times New Roman" panose="02020603050405020304" pitchFamily="18" charset="0"/>
+                  </a:rPr>
+                  <a:t> Gaussian Distribution – Central Limit Theorem</a:t>
+                </a:r>
+              </a:p>
+            </p:txBody>
+          </p:sp>
+        </mc:Choice>
+        <mc:Fallback xmlns="">
+          <p:sp>
+            <p:nvSpPr>
+              <p:cNvPr id="3" name="Content Placeholder 2">
+                <a:extLst>
+                  <a:ext uri="{FF2B5EF4-FFF2-40B4-BE49-F238E27FC236}">
+                    <a16:creationId xmlns:a16="http://schemas.microsoft.com/office/drawing/2014/main" id="{8A093466-BF7B-40D6-9AC4-DCFA51C97653}"/>
+                  </a:ext>
+                </a:extLst>
+              </p:cNvPr>
+              <p:cNvSpPr>
+                <a:spLocks noGrp="1" noRot="1" noChangeAspect="1" noMove="1" noResize="1" noEditPoints="1" noAdjustHandles="1" noChangeArrowheads="1" noChangeShapeType="1" noTextEdit="1"/>
+              </p:cNvSpPr>
+              <p:nvPr>
+                <p:ph idx="1"/>
+              </p:nvPr>
+            </p:nvSpPr>
+            <p:spPr>
+              <a:blipFill>
+                <a:blip r:embed="rId3"/>
+                <a:stretch>
+                  <a:fillRect l="-1455" t="-1667"/>
+                </a:stretch>
+              </a:blipFill>
+            </p:spPr>
+            <p:txBody>
+              <a:bodyPr/>
+              <a:lstStyle/>
+              <a:p>
+                <a:r>
+                  <a:rPr lang="de-DE">
+                    <a:noFill/>
+                  </a:rPr>
+                  <a:t> </a:t>
+                </a:r>
+              </a:p>
+            </p:txBody>
+          </p:sp>
+        </mc:Fallback>
+      </mc:AlternateContent>
+      <p:sp>
+        <p:nvSpPr>
+          <p:cNvPr id="5" name="TextBox 4">
+            <a:extLst>
+              <a:ext uri="{FF2B5EF4-FFF2-40B4-BE49-F238E27FC236}">
+                <a16:creationId xmlns:a16="http://schemas.microsoft.com/office/drawing/2014/main" id="{3C797C46-52F9-48B7-82C1-BED61BD74B07}"/>
+              </a:ext>
+            </a:extLst>
+          </p:cNvPr>
+          <p:cNvSpPr txBox="1"/>
+          <p:nvPr/>
+        </p:nvSpPr>
+        <p:spPr>
+          <a:xfrm>
+            <a:off x="-1" y="6469112"/>
+            <a:ext cx="5749159" cy="338554"/>
+          </a:xfrm>
+          <a:prstGeom prst="rect">
+            <a:avLst/>
+          </a:prstGeom>
+          <a:noFill/>
+        </p:spPr>
+        <p:txBody>
+          <a:bodyPr wrap="square" rtlCol="0">
+            <a:spAutoFit/>
+          </a:bodyPr>
+          <a:lstStyle/>
+          <a:p>
+            <a:r>
+              <a:rPr lang="en-US" sz="1600" dirty="0">
+                <a:latin typeface="Times New Roman" panose="02020603050405020304" pitchFamily="18" charset="0"/>
+                <a:cs typeface="Times New Roman" panose="02020603050405020304" pitchFamily="18" charset="0"/>
+              </a:rPr>
+              <a:t>2.3 Sampled Millisecond Pulsar Population: Mass Distribution</a:t>
+            </a:r>
+            <a:endParaRPr lang="de-DE" sz="1600" dirty="0">
+              <a:latin typeface="Times New Roman" panose="02020603050405020304" pitchFamily="18" charset="0"/>
+              <a:cs typeface="Times New Roman" panose="02020603050405020304" pitchFamily="18" charset="0"/>
+            </a:endParaRPr>
+          </a:p>
+        </p:txBody>
+      </p:sp>
+    </p:spTree>
+    <p:extLst>
+      <p:ext uri="{BB962C8B-B14F-4D97-AF65-F5344CB8AC3E}">
+        <p14:creationId xmlns:p14="http://schemas.microsoft.com/office/powerpoint/2010/main" val="2079015644"/>
+      </p:ext>
+    </p:extLst>
+  </p:cSld>
+  <p:clrMapOvr>
+    <a:masterClrMapping/>
+  </p:clrMapOvr>
+</p:sld>
+</file>
+
+<file path=ppt/slides/slide11.xml><?xml version="1.0" encoding="utf-8"?>
+<p:sld xmlns:a="http://schemas.openxmlformats.org/drawingml/2006/main" xmlns:r="http://schemas.openxmlformats.org/officeDocument/2006/relationships" xmlns:p="http://schemas.openxmlformats.org/presentationml/2006/main">
+  <p:cSld>
+    <p:spTree>
+      <p:nvGrpSpPr>
+        <p:cNvPr id="1" name=""/>
+        <p:cNvGrpSpPr/>
+        <p:nvPr/>
+      </p:nvGrpSpPr>
+      <p:grpSpPr>
+        <a:xfrm>
+          <a:off x="0" y="0"/>
+          <a:ext cx="0" cy="0"/>
+          <a:chOff x="0" y="0"/>
+          <a:chExt cx="0" cy="0"/>
+        </a:xfrm>
+      </p:grpSpPr>
+      <p:sp>
+        <p:nvSpPr>
+          <p:cNvPr id="2" name="Title 1">
+            <a:extLst>
+              <a:ext uri="{FF2B5EF4-FFF2-40B4-BE49-F238E27FC236}">
                 <a16:creationId xmlns:a16="http://schemas.microsoft.com/office/drawing/2014/main" id="{089176BD-51D0-4789-987E-18FB3CF8C8B0}"/>
               </a:ext>
             </a:extLst>
@@ -5228,7 +5676,7 @@
                 <a:latin typeface="Times New Roman" panose="02020603050405020304" pitchFamily="18" charset="0"/>
                 <a:cs typeface="Times New Roman" panose="02020603050405020304" pitchFamily="18" charset="0"/>
               </a:rPr>
-              <a:t>Birth Rate</a:t>
+              <a:t>Velocity Distribution</a:t>
             </a:r>
           </a:p>
           <a:p>
@@ -5241,7 +5689,7 @@
                 <a:latin typeface="Times New Roman" panose="02020603050405020304" pitchFamily="18" charset="0"/>
                 <a:cs typeface="Times New Roman" panose="02020603050405020304" pitchFamily="18" charset="0"/>
               </a:rPr>
-              <a:t>Velocity Distribution</a:t>
+              <a:t>Birth Rate</a:t>
             </a:r>
           </a:p>
           <a:p>
@@ -5345,6 +5793,78 @@
 </file>
 
 <file path=ppt/slides/slide2.xml><?xml version="1.0" encoding="utf-8"?>
+<p:sld xmlns:a="http://schemas.openxmlformats.org/drawingml/2006/main" xmlns:r="http://schemas.openxmlformats.org/officeDocument/2006/relationships" xmlns:p="http://schemas.openxmlformats.org/presentationml/2006/main">
+  <p:cSld>
+    <p:spTree>
+      <p:nvGrpSpPr>
+        <p:cNvPr id="1" name=""/>
+        <p:cNvGrpSpPr/>
+        <p:nvPr/>
+      </p:nvGrpSpPr>
+      <p:grpSpPr>
+        <a:xfrm>
+          <a:off x="0" y="0"/>
+          <a:ext cx="0" cy="0"/>
+          <a:chOff x="0" y="0"/>
+          <a:chExt cx="0" cy="0"/>
+        </a:xfrm>
+      </p:grpSpPr>
+      <p:sp>
+        <p:nvSpPr>
+          <p:cNvPr id="2" name="Title 1">
+            <a:extLst>
+              <a:ext uri="{FF2B5EF4-FFF2-40B4-BE49-F238E27FC236}">
+                <a16:creationId xmlns:a16="http://schemas.microsoft.com/office/drawing/2014/main" id="{089176BD-51D0-4789-987E-18FB3CF8C8B0}"/>
+              </a:ext>
+            </a:extLst>
+          </p:cNvPr>
+          <p:cNvSpPr>
+            <a:spLocks noGrp="1"/>
+          </p:cNvSpPr>
+          <p:nvPr>
+            <p:ph type="title" idx="4294967295"/>
+          </p:nvPr>
+        </p:nvSpPr>
+        <p:spPr>
+          <a:xfrm>
+            <a:off x="122237" y="2023879"/>
+            <a:ext cx="11947525" cy="2810242"/>
+          </a:xfrm>
+        </p:spPr>
+        <p:txBody>
+          <a:bodyPr>
+            <a:normAutofit/>
+          </a:bodyPr>
+          <a:lstStyle/>
+          <a:p>
+            <a:r>
+              <a:rPr lang="en-US" sz="6600" b="1" dirty="0">
+                <a:latin typeface="Times New Roman" panose="02020603050405020304" pitchFamily="18" charset="0"/>
+                <a:cs typeface="Times New Roman" panose="02020603050405020304" pitchFamily="18" charset="0"/>
+              </a:rPr>
+              <a:t>Aim: To research the possibility of an exotic millisecond pulsar population within the Milky Way</a:t>
+            </a:r>
+            <a:endParaRPr lang="de-DE" sz="6600" b="1" dirty="0">
+              <a:latin typeface="Times New Roman" panose="02020603050405020304" pitchFamily="18" charset="0"/>
+              <a:cs typeface="Times New Roman" panose="02020603050405020304" pitchFamily="18" charset="0"/>
+            </a:endParaRPr>
+          </a:p>
+        </p:txBody>
+      </p:sp>
+    </p:spTree>
+    <p:extLst>
+      <p:ext uri="{BB962C8B-B14F-4D97-AF65-F5344CB8AC3E}">
+        <p14:creationId xmlns:p14="http://schemas.microsoft.com/office/powerpoint/2010/main" val="2443488365"/>
+      </p:ext>
+    </p:extLst>
+  </p:cSld>
+  <p:clrMapOvr>
+    <a:masterClrMapping/>
+  </p:clrMapOvr>
+</p:sld>
+</file>
+
+<file path=ppt/slides/slide3.xml><?xml version="1.0" encoding="utf-8"?>
 <p:sld xmlns:a="http://schemas.openxmlformats.org/drawingml/2006/main" xmlns:r="http://schemas.openxmlformats.org/officeDocument/2006/relationships" xmlns:p="http://schemas.openxmlformats.org/presentationml/2006/main">
   <p:cSld>
     <p:spTree>
@@ -5586,7 +6106,7 @@
     </p:spTree>
     <p:extLst>
       <p:ext uri="{BB962C8B-B14F-4D97-AF65-F5344CB8AC3E}">
-        <p14:creationId xmlns:p14="http://schemas.microsoft.com/office/powerpoint/2010/main" val="2443488365"/>
+        <p14:creationId xmlns:p14="http://schemas.microsoft.com/office/powerpoint/2010/main" val="3815102695"/>
       </p:ext>
     </p:extLst>
   </p:cSld>
@@ -5596,7 +6116,7 @@
 </p:sld>
 </file>
 
-<file path=ppt/slides/slide3.xml><?xml version="1.0" encoding="utf-8"?>
+<file path=ppt/slides/slide4.xml><?xml version="1.0" encoding="utf-8"?>
 <p:sld xmlns:a="http://schemas.openxmlformats.org/drawingml/2006/main" xmlns:r="http://schemas.openxmlformats.org/officeDocument/2006/relationships" xmlns:p="http://schemas.openxmlformats.org/presentationml/2006/main">
   <p:cSld>
     <p:spTree>
@@ -5666,7 +6186,9 @@
         </p:nvSpPr>
         <p:spPr/>
         <p:txBody>
-          <a:bodyPr/>
+          <a:bodyPr>
+            <a:normAutofit/>
+          </a:bodyPr>
           <a:lstStyle/>
           <a:p>
             <a:pPr>
@@ -5711,7 +6233,7 @@
                 <a:latin typeface="Times New Roman" panose="02020603050405020304" pitchFamily="18" charset="0"/>
                 <a:cs typeface="Times New Roman" panose="02020603050405020304" pitchFamily="18" charset="0"/>
               </a:rPr>
-              <a:t>Birth Rate</a:t>
+              <a:t>Velocity Distribution</a:t>
             </a:r>
           </a:p>
           <a:p>
@@ -5724,7 +6246,7 @@
                 <a:latin typeface="Times New Roman" panose="02020603050405020304" pitchFamily="18" charset="0"/>
                 <a:cs typeface="Times New Roman" panose="02020603050405020304" pitchFamily="18" charset="0"/>
               </a:rPr>
-              <a:t>Velocity Distribution</a:t>
+              <a:t>Birth Rate</a:t>
             </a:r>
           </a:p>
           <a:p>
@@ -5855,7 +6377,7 @@
 </p:sld>
 </file>
 
-<file path=ppt/slides/slide4.xml><?xml version="1.0" encoding="utf-8"?>
+<file path=ppt/slides/slide5.xml><?xml version="1.0" encoding="utf-8"?>
 <p:sld xmlns:a="http://schemas.openxmlformats.org/drawingml/2006/main" xmlns:r="http://schemas.openxmlformats.org/officeDocument/2006/relationships" xmlns:p="http://schemas.openxmlformats.org/presentationml/2006/main">
   <p:cSld>
     <p:spTree>
@@ -5955,6 +6477,49 @@
                 <a:latin typeface="Times New Roman" panose="02020603050405020304" pitchFamily="18" charset="0"/>
                 <a:cs typeface="Times New Roman" panose="02020603050405020304" pitchFamily="18" charset="0"/>
               </a:rPr>
+              <a:t>  Research targets for a wide range of physics</a:t>
+            </a:r>
+          </a:p>
+          <a:p>
+            <a:pPr lvl="1">
+              <a:buFont typeface="Arial" panose="020B0604020202020204" pitchFamily="34" charset="0"/>
+              <a:buChar char="•"/>
+            </a:pPr>
+            <a:r>
+              <a:rPr lang="en-US" dirty="0">
+                <a:latin typeface="Times New Roman" panose="02020603050405020304" pitchFamily="18" charset="0"/>
+                <a:cs typeface="Times New Roman" panose="02020603050405020304" pitchFamily="18" charset="0"/>
+              </a:rPr>
+              <a:t>General Relativity</a:t>
+            </a:r>
+          </a:p>
+          <a:p>
+            <a:pPr lvl="1">
+              <a:buFont typeface="Arial" panose="020B0604020202020204" pitchFamily="34" charset="0"/>
+              <a:buChar char="•"/>
+            </a:pPr>
+            <a:r>
+              <a:rPr lang="en-US" dirty="0">
+                <a:latin typeface="Times New Roman" panose="02020603050405020304" pitchFamily="18" charset="0"/>
+                <a:cs typeface="Times New Roman" panose="02020603050405020304" pitchFamily="18" charset="0"/>
+              </a:rPr>
+              <a:t>Planetary Systems </a:t>
+            </a:r>
+            <a:endParaRPr lang="de-DE" dirty="0">
+              <a:latin typeface="Times New Roman" panose="02020603050405020304" pitchFamily="18" charset="0"/>
+              <a:cs typeface="Times New Roman" panose="02020603050405020304" pitchFamily="18" charset="0"/>
+            </a:endParaRPr>
+          </a:p>
+          <a:p>
+            <a:pPr>
+              <a:buFont typeface="Arial" panose="020B0604020202020204" pitchFamily="34" charset="0"/>
+              <a:buChar char="•"/>
+            </a:pPr>
+            <a:r>
+              <a:rPr lang="en-US" dirty="0">
+                <a:latin typeface="Times New Roman" panose="02020603050405020304" pitchFamily="18" charset="0"/>
+                <a:cs typeface="Times New Roman" panose="02020603050405020304" pitchFamily="18" charset="0"/>
+              </a:rPr>
               <a:t> Millisecond pulsars rotate 30 to 700 times per second</a:t>
             </a:r>
           </a:p>
@@ -5970,49 +6535,6 @@
               </a:rPr>
               <a:t> Lifetime comparable to the age of the Universe</a:t>
             </a:r>
-          </a:p>
-          <a:p>
-            <a:pPr>
-              <a:buFont typeface="Arial" panose="020B0604020202020204" pitchFamily="34" charset="0"/>
-              <a:buChar char="•"/>
-            </a:pPr>
-            <a:r>
-              <a:rPr lang="en-US" dirty="0">
-                <a:latin typeface="Times New Roman" panose="02020603050405020304" pitchFamily="18" charset="0"/>
-                <a:cs typeface="Times New Roman" panose="02020603050405020304" pitchFamily="18" charset="0"/>
-              </a:rPr>
-              <a:t> Research targets for a wide range of physics</a:t>
-            </a:r>
-          </a:p>
-          <a:p>
-            <a:pPr lvl="1">
-              <a:buFont typeface="Arial" panose="020B0604020202020204" pitchFamily="34" charset="0"/>
-              <a:buChar char="•"/>
-            </a:pPr>
-            <a:r>
-              <a:rPr lang="en-US" dirty="0">
-                <a:latin typeface="Times New Roman" panose="02020603050405020304" pitchFamily="18" charset="0"/>
-                <a:cs typeface="Times New Roman" panose="02020603050405020304" pitchFamily="18" charset="0"/>
-              </a:rPr>
-              <a:t>General Relativity</a:t>
-            </a:r>
-          </a:p>
-          <a:p>
-            <a:pPr lvl="1">
-              <a:buFont typeface="Arial" panose="020B0604020202020204" pitchFamily="34" charset="0"/>
-              <a:buChar char="•"/>
-            </a:pPr>
-            <a:r>
-              <a:rPr lang="en-US" dirty="0">
-                <a:latin typeface="Times New Roman" panose="02020603050405020304" pitchFamily="18" charset="0"/>
-                <a:cs typeface="Times New Roman" panose="02020603050405020304" pitchFamily="18" charset="0"/>
-              </a:rPr>
-              <a:t>Planetary Systems </a:t>
-            </a:r>
-            <a:endParaRPr lang="de-DE" dirty="0">
-              <a:latin typeface="Times New Roman" panose="02020603050405020304" pitchFamily="18" charset="0"/>
-              <a:cs typeface="Times New Roman" panose="02020603050405020304" pitchFamily="18" charset="0"/>
-            </a:endParaRPr>
           </a:p>
         </p:txBody>
       </p:sp>
@@ -6080,8 +6602,8 @@
         </p:blipFill>
         <p:spPr>
           <a:xfrm>
-            <a:off x="6278137" y="2773115"/>
-            <a:ext cx="5587806" cy="2715026"/>
+            <a:off x="6768791" y="2174432"/>
+            <a:ext cx="5164060" cy="2509135"/>
           </a:xfrm>
           <a:prstGeom prst="rect">
             <a:avLst/>
@@ -6102,7 +6624,7 @@
         </p:nvSpPr>
         <p:spPr>
           <a:xfrm>
-            <a:off x="6339468" y="5466404"/>
+            <a:off x="6618249" y="4800330"/>
             <a:ext cx="5465143" cy="276999"/>
           </a:xfrm>
           <a:prstGeom prst="rect">
@@ -6135,230 +6657,6 @@
     <p:extLst>
       <p:ext uri="{BB962C8B-B14F-4D97-AF65-F5344CB8AC3E}">
         <p14:creationId xmlns:p14="http://schemas.microsoft.com/office/powerpoint/2010/main" val="1477478436"/>
-      </p:ext>
-    </p:extLst>
-  </p:cSld>
-  <p:clrMapOvr>
-    <a:masterClrMapping/>
-  </p:clrMapOvr>
-</p:sld>
-</file>
-
-<file path=ppt/slides/slide5.xml><?xml version="1.0" encoding="utf-8"?>
-<p:sld xmlns:a="http://schemas.openxmlformats.org/drawingml/2006/main" xmlns:r="http://schemas.openxmlformats.org/officeDocument/2006/relationships" xmlns:p="http://schemas.openxmlformats.org/presentationml/2006/main">
-  <p:cSld>
-    <p:spTree>
-      <p:nvGrpSpPr>
-        <p:cNvPr id="1" name=""/>
-        <p:cNvGrpSpPr/>
-        <p:nvPr/>
-      </p:nvGrpSpPr>
-      <p:grpSpPr>
-        <a:xfrm>
-          <a:off x="0" y="0"/>
-          <a:ext cx="0" cy="0"/>
-          <a:chOff x="0" y="0"/>
-          <a:chExt cx="0" cy="0"/>
-        </a:xfrm>
-      </p:grpSpPr>
-      <p:sp>
-        <p:nvSpPr>
-          <p:cNvPr id="2" name="Title 1">
-            <a:extLst>
-              <a:ext uri="{FF2B5EF4-FFF2-40B4-BE49-F238E27FC236}">
-                <a16:creationId xmlns:a16="http://schemas.microsoft.com/office/drawing/2014/main" id="{089176BD-51D0-4789-987E-18FB3CF8C8B0}"/>
-              </a:ext>
-            </a:extLst>
-          </p:cNvPr>
-          <p:cNvSpPr>
-            <a:spLocks noGrp="1"/>
-          </p:cNvSpPr>
-          <p:nvPr>
-            <p:ph type="title"/>
-          </p:nvPr>
-        </p:nvSpPr>
-        <p:spPr/>
-        <p:txBody>
-          <a:bodyPr/>
-          <a:lstStyle/>
-          <a:p>
-            <a:r>
-              <a:rPr lang="en-US" b="1" dirty="0">
-                <a:latin typeface="Times New Roman" panose="02020603050405020304" pitchFamily="18" charset="0"/>
-                <a:cs typeface="Times New Roman" panose="02020603050405020304" pitchFamily="18" charset="0"/>
-              </a:rPr>
-              <a:t>Overview</a:t>
-            </a:r>
-            <a:endParaRPr lang="de-DE" b="1" dirty="0">
-              <a:latin typeface="Times New Roman" panose="02020603050405020304" pitchFamily="18" charset="0"/>
-              <a:cs typeface="Times New Roman" panose="02020603050405020304" pitchFamily="18" charset="0"/>
-            </a:endParaRPr>
-          </a:p>
-        </p:txBody>
-      </p:sp>
-      <p:sp>
-        <p:nvSpPr>
-          <p:cNvPr id="3" name="Content Placeholder 2">
-            <a:extLst>
-              <a:ext uri="{FF2B5EF4-FFF2-40B4-BE49-F238E27FC236}">
-                <a16:creationId xmlns:a16="http://schemas.microsoft.com/office/drawing/2014/main" id="{7DBA9157-8E6C-4E39-832C-9F46108CD0AF}"/>
-              </a:ext>
-            </a:extLst>
-          </p:cNvPr>
-          <p:cNvSpPr>
-            <a:spLocks noGrp="1"/>
-          </p:cNvSpPr>
-          <p:nvPr>
-            <p:ph idx="1"/>
-          </p:nvPr>
-        </p:nvSpPr>
-        <p:spPr/>
-        <p:txBody>
-          <a:bodyPr/>
-          <a:lstStyle/>
-          <a:p>
-            <a:pPr>
-              <a:buFont typeface="Arial" panose="020B0604020202020204" pitchFamily="34" charset="0"/>
-              <a:buChar char="•"/>
-            </a:pPr>
-            <a:r>
-              <a:rPr lang="en-US" dirty="0">
-                <a:latin typeface="Times New Roman" panose="02020603050405020304" pitchFamily="18" charset="0"/>
-                <a:cs typeface="Times New Roman" panose="02020603050405020304" pitchFamily="18" charset="0"/>
-              </a:rPr>
-              <a:t> Millisecond Pulsars: What are they?</a:t>
-            </a:r>
-          </a:p>
-          <a:p>
-            <a:pPr>
-              <a:buFont typeface="Arial" panose="020B0604020202020204" pitchFamily="34" charset="0"/>
-              <a:buChar char="•"/>
-            </a:pPr>
-            <a:r>
-              <a:rPr lang="en-US" dirty="0">
-                <a:latin typeface="Times New Roman" panose="02020603050405020304" pitchFamily="18" charset="0"/>
-                <a:cs typeface="Times New Roman" panose="02020603050405020304" pitchFamily="18" charset="0"/>
-              </a:rPr>
-              <a:t> </a:t>
-            </a:r>
-            <a:r>
-              <a:rPr lang="en-US" u="sng" dirty="0">
-                <a:latin typeface="Times New Roman" panose="02020603050405020304" pitchFamily="18" charset="0"/>
-                <a:cs typeface="Times New Roman" panose="02020603050405020304" pitchFamily="18" charset="0"/>
-              </a:rPr>
-              <a:t>Sampled Millisecond Pulsar Population</a:t>
-            </a:r>
-          </a:p>
-          <a:p>
-            <a:pPr lvl="1">
-              <a:buFont typeface="Arial" panose="020B0604020202020204" pitchFamily="34" charset="0"/>
-              <a:buChar char="•"/>
-            </a:pPr>
-            <a:r>
-              <a:rPr lang="en-US" dirty="0">
-                <a:latin typeface="Times New Roman" panose="02020603050405020304" pitchFamily="18" charset="0"/>
-                <a:cs typeface="Times New Roman" panose="02020603050405020304" pitchFamily="18" charset="0"/>
-              </a:rPr>
-              <a:t>Birth Rate</a:t>
-            </a:r>
-          </a:p>
-          <a:p>
-            <a:pPr lvl="1">
-              <a:buFont typeface="Arial" panose="020B0604020202020204" pitchFamily="34" charset="0"/>
-              <a:buChar char="•"/>
-            </a:pPr>
-            <a:r>
-              <a:rPr lang="en-US" dirty="0">
-                <a:latin typeface="Times New Roman" panose="02020603050405020304" pitchFamily="18" charset="0"/>
-                <a:cs typeface="Times New Roman" panose="02020603050405020304" pitchFamily="18" charset="0"/>
-              </a:rPr>
-              <a:t>Velocity Distribution</a:t>
-            </a:r>
-          </a:p>
-          <a:p>
-            <a:pPr lvl="1">
-              <a:buFont typeface="Arial" panose="020B0604020202020204" pitchFamily="34" charset="0"/>
-              <a:buChar char="•"/>
-            </a:pPr>
-            <a:r>
-              <a:rPr lang="en-US" dirty="0">
-                <a:latin typeface="Times New Roman" panose="02020603050405020304" pitchFamily="18" charset="0"/>
-                <a:cs typeface="Times New Roman" panose="02020603050405020304" pitchFamily="18" charset="0"/>
-              </a:rPr>
-              <a:t>Mass Distribution</a:t>
-            </a:r>
-          </a:p>
-          <a:p>
-            <a:pPr>
-              <a:buFont typeface="Arial" panose="020B0604020202020204" pitchFamily="34" charset="0"/>
-              <a:buChar char="•"/>
-            </a:pPr>
-            <a:r>
-              <a:rPr lang="en-US" dirty="0">
-                <a:latin typeface="Times New Roman" panose="02020603050405020304" pitchFamily="18" charset="0"/>
-                <a:cs typeface="Times New Roman" panose="02020603050405020304" pitchFamily="18" charset="0"/>
-              </a:rPr>
-              <a:t> The Code</a:t>
-            </a:r>
-          </a:p>
-          <a:p>
-            <a:pPr lvl="1">
-              <a:buFont typeface="Arial" panose="020B0604020202020204" pitchFamily="34" charset="0"/>
-              <a:buChar char="•"/>
-            </a:pPr>
-            <a:r>
-              <a:rPr lang="en-US" dirty="0">
-                <a:latin typeface="Times New Roman" panose="02020603050405020304" pitchFamily="18" charset="0"/>
-                <a:cs typeface="Times New Roman" panose="02020603050405020304" pitchFamily="18" charset="0"/>
-              </a:rPr>
-              <a:t>Gravitational Potentials</a:t>
-            </a:r>
-          </a:p>
-          <a:p>
-            <a:pPr lvl="1">
-              <a:buFont typeface="Arial" panose="020B0604020202020204" pitchFamily="34" charset="0"/>
-              <a:buChar char="•"/>
-            </a:pPr>
-            <a:r>
-              <a:rPr lang="en-US" dirty="0">
-                <a:latin typeface="Times New Roman" panose="02020603050405020304" pitchFamily="18" charset="0"/>
-                <a:cs typeface="Times New Roman" panose="02020603050405020304" pitchFamily="18" charset="0"/>
-              </a:rPr>
-              <a:t>The general methodology</a:t>
-            </a:r>
-          </a:p>
-          <a:p>
-            <a:pPr>
-              <a:buFont typeface="Arial" panose="020B0604020202020204" pitchFamily="34" charset="0"/>
-              <a:buChar char="•"/>
-            </a:pPr>
-            <a:r>
-              <a:rPr lang="en-US" dirty="0">
-                <a:latin typeface="Times New Roman" panose="02020603050405020304" pitchFamily="18" charset="0"/>
-                <a:cs typeface="Times New Roman" panose="02020603050405020304" pitchFamily="18" charset="0"/>
-              </a:rPr>
-              <a:t> The Results</a:t>
-            </a:r>
-          </a:p>
-          <a:p>
-            <a:pPr>
-              <a:buFont typeface="Arial" panose="020B0604020202020204" pitchFamily="34" charset="0"/>
-              <a:buChar char="•"/>
-            </a:pPr>
-            <a:r>
-              <a:rPr lang="en-US" dirty="0">
-                <a:latin typeface="Times New Roman" panose="02020603050405020304" pitchFamily="18" charset="0"/>
-                <a:cs typeface="Times New Roman" panose="02020603050405020304" pitchFamily="18" charset="0"/>
-              </a:rPr>
-              <a:t> Future Research</a:t>
-            </a:r>
-          </a:p>
-        </p:txBody>
-      </p:sp>
-    </p:spTree>
-    <p:extLst>
-      <p:ext uri="{BB962C8B-B14F-4D97-AF65-F5344CB8AC3E}">
-        <p14:creationId xmlns:p14="http://schemas.microsoft.com/office/powerpoint/2010/main" val="1587221287"/>
       </p:ext>
     </p:extLst>
   </p:cSld>
@@ -6390,7 +6688,7 @@
           <p:cNvPr id="2" name="Title 1">
             <a:extLst>
               <a:ext uri="{FF2B5EF4-FFF2-40B4-BE49-F238E27FC236}">
-                <a16:creationId xmlns:a16="http://schemas.microsoft.com/office/drawing/2014/main" id="{5BEBD774-A568-4C4F-9C54-8C040A76CE6F}"/>
+                <a16:creationId xmlns:a16="http://schemas.microsoft.com/office/drawing/2014/main" id="{089176BD-51D0-4789-987E-18FB3CF8C8B0}"/>
               </a:ext>
             </a:extLst>
           </p:cNvPr>
@@ -6411,9 +6709,12 @@
                 <a:latin typeface="Times New Roman" panose="02020603050405020304" pitchFamily="18" charset="0"/>
                 <a:cs typeface="Times New Roman" panose="02020603050405020304" pitchFamily="18" charset="0"/>
               </a:rPr>
-              <a:t>Sampled Millisecond Pulsar Population: Birth Rate</a:t>
-            </a:r>
-            <a:endParaRPr lang="de-DE" dirty="0"/>
+              <a:t>Overview</a:t>
+            </a:r>
+            <a:endParaRPr lang="de-DE" b="1" dirty="0">
+              <a:latin typeface="Times New Roman" panose="02020603050405020304" pitchFamily="18" charset="0"/>
+              <a:cs typeface="Times New Roman" panose="02020603050405020304" pitchFamily="18" charset="0"/>
+            </a:endParaRPr>
           </a:p>
         </p:txBody>
       </p:sp>
@@ -6422,7 +6723,7 @@
           <p:cNvPr id="3" name="Content Placeholder 2">
             <a:extLst>
               <a:ext uri="{FF2B5EF4-FFF2-40B4-BE49-F238E27FC236}">
-                <a16:creationId xmlns:a16="http://schemas.microsoft.com/office/drawing/2014/main" id="{D09E6C6B-D5F8-452E-B542-D0E2A7D125CD}"/>
+                <a16:creationId xmlns:a16="http://schemas.microsoft.com/office/drawing/2014/main" id="{7DBA9157-8E6C-4E39-832C-9F46108CD0AF}"/>
               </a:ext>
             </a:extLst>
           </p:cNvPr>
@@ -6435,7 +6736,9 @@
         </p:nvSpPr>
         <p:spPr/>
         <p:txBody>
-          <a:bodyPr/>
+          <a:bodyPr>
+            <a:normAutofit/>
+          </a:bodyPr>
           <a:lstStyle/>
           <a:p>
             <a:pPr>
@@ -6447,21 +6750,66 @@
                 <a:latin typeface="Times New Roman" panose="02020603050405020304" pitchFamily="18" charset="0"/>
                 <a:cs typeface="Times New Roman" panose="02020603050405020304" pitchFamily="18" charset="0"/>
               </a:rPr>
-              <a:t> Milky Way birthrate: </a:t>
-            </a:r>
-            <a:r>
-              <a:rPr lang="en-US" sz="1400" dirty="0">
-                <a:latin typeface="Times New Roman" panose="02020603050405020304" pitchFamily="18" charset="0"/>
-                <a:cs typeface="Times New Roman" panose="02020603050405020304" pitchFamily="18" charset="0"/>
-              </a:rPr>
-              <a:t>~</a:t>
-            </a:r>
+              <a:t> Millisecond Pulsars: What are they?</a:t>
+            </a:r>
+          </a:p>
+          <a:p>
+            <a:pPr>
+              <a:buFont typeface="Arial" panose="020B0604020202020204" pitchFamily="34" charset="0"/>
+              <a:buChar char="•"/>
+            </a:pPr>
             <a:r>
               <a:rPr lang="en-US" dirty="0">
                 <a:latin typeface="Times New Roman" panose="02020603050405020304" pitchFamily="18" charset="0"/>
                 <a:cs typeface="Times New Roman" panose="02020603050405020304" pitchFamily="18" charset="0"/>
               </a:rPr>
-              <a:t>0.05 Myr</a:t>
+              <a:t> </a:t>
+            </a:r>
+            <a:r>
+              <a:rPr lang="en-US" u="sng" dirty="0">
+                <a:latin typeface="Times New Roman" panose="02020603050405020304" pitchFamily="18" charset="0"/>
+                <a:cs typeface="Times New Roman" panose="02020603050405020304" pitchFamily="18" charset="0"/>
+              </a:rPr>
+              <a:t>Sampled Millisecond Pulsar Population</a:t>
+            </a:r>
+          </a:p>
+          <a:p>
+            <a:pPr lvl="1">
+              <a:buFont typeface="Arial" panose="020B0604020202020204" pitchFamily="34" charset="0"/>
+              <a:buChar char="•"/>
+            </a:pPr>
+            <a:r>
+              <a:rPr lang="en-US" dirty="0">
+                <a:latin typeface="Times New Roman" panose="02020603050405020304" pitchFamily="18" charset="0"/>
+                <a:cs typeface="Times New Roman" panose="02020603050405020304" pitchFamily="18" charset="0"/>
+              </a:rPr>
+              <a:t>Velocity Distribution</a:t>
+            </a:r>
+          </a:p>
+          <a:p>
+            <a:pPr lvl="1">
+              <a:buFont typeface="Arial" panose="020B0604020202020204" pitchFamily="34" charset="0"/>
+              <a:buChar char="•"/>
+            </a:pPr>
+            <a:r>
+              <a:rPr lang="en-US" dirty="0">
+                <a:latin typeface="Times New Roman" panose="02020603050405020304" pitchFamily="18" charset="0"/>
+                <a:cs typeface="Times New Roman" panose="02020603050405020304" pitchFamily="18" charset="0"/>
+              </a:rPr>
+              <a:t>Birth Rate</a:t>
+            </a:r>
+          </a:p>
+          <a:p>
+            <a:pPr lvl="1">
+              <a:buFont typeface="Arial" panose="020B0604020202020204" pitchFamily="34" charset="0"/>
+              <a:buChar char="•"/>
+            </a:pPr>
+            <a:r>
+              <a:rPr lang="en-US" dirty="0">
+                <a:latin typeface="Times New Roman" panose="02020603050405020304" pitchFamily="18" charset="0"/>
+                <a:cs typeface="Times New Roman" panose="02020603050405020304" pitchFamily="18" charset="0"/>
+              </a:rPr>
+              <a:t>Mass Distribution</a:t>
             </a:r>
           </a:p>
           <a:p>
@@ -6474,21 +6822,20 @@
                 <a:latin typeface="Times New Roman" panose="02020603050405020304" pitchFamily="18" charset="0"/>
                 <a:cs typeface="Times New Roman" panose="02020603050405020304" pitchFamily="18" charset="0"/>
               </a:rPr>
-              <a:t> LMC birthrate: </a:t>
-            </a:r>
-            <a:r>
-              <a:rPr lang="en-US" sz="1400" dirty="0">
-                <a:latin typeface="Times New Roman" panose="02020603050405020304" pitchFamily="18" charset="0"/>
-                <a:cs typeface="Times New Roman" panose="02020603050405020304" pitchFamily="18" charset="0"/>
-              </a:rPr>
-              <a:t>~</a:t>
-            </a:r>
+              <a:t> The Code</a:t>
+            </a:r>
+          </a:p>
+          <a:p>
+            <a:pPr lvl="1">
+              <a:buFont typeface="Arial" panose="020B0604020202020204" pitchFamily="34" charset="0"/>
+              <a:buChar char="•"/>
+            </a:pPr>
             <a:r>
               <a:rPr lang="en-US" dirty="0">
                 <a:latin typeface="Times New Roman" panose="02020603050405020304" pitchFamily="18" charset="0"/>
                 <a:cs typeface="Times New Roman" panose="02020603050405020304" pitchFamily="18" charset="0"/>
               </a:rPr>
-              <a:t>1.80 Myr</a:t>
+              <a:t>Gravitational Potentials</a:t>
             </a:r>
           </a:p>
           <a:p>
@@ -6497,24 +6844,11 @@
               <a:buChar char="•"/>
             </a:pPr>
             <a:r>
-              <a:rPr lang="de-DE" sz="2000" dirty="0">
+              <a:rPr lang="en-US" dirty="0">
                 <a:latin typeface="Times New Roman" panose="02020603050405020304" pitchFamily="18" charset="0"/>
                 <a:cs typeface="Times New Roman" panose="02020603050405020304" pitchFamily="18" charset="0"/>
               </a:rPr>
-              <a:t>SFR of Milky Way and LMC</a:t>
-            </a:r>
-          </a:p>
-          <a:p>
-            <a:pPr lvl="1">
-              <a:buFont typeface="Arial" panose="020B0604020202020204" pitchFamily="34" charset="0"/>
-              <a:buChar char="•"/>
-            </a:pPr>
-            <a:r>
-              <a:rPr lang="de-DE" sz="2000" dirty="0">
-                <a:latin typeface="Times New Roman" panose="02020603050405020304" pitchFamily="18" charset="0"/>
-                <a:cs typeface="Times New Roman" panose="02020603050405020304" pitchFamily="18" charset="0"/>
-              </a:rPr>
-              <a:t>Incorporate fraction of binary population</a:t>
+              <a:t>The general methodology</a:t>
             </a:r>
           </a:p>
           <a:p>
@@ -6523,107 +6857,32 @@
               <a:buChar char="•"/>
             </a:pPr>
             <a:r>
-              <a:rPr lang="de-DE" sz="2200" dirty="0">
+              <a:rPr lang="en-US" dirty="0">
                 <a:latin typeface="Times New Roman" panose="02020603050405020304" pitchFamily="18" charset="0"/>
                 <a:cs typeface="Times New Roman" panose="02020603050405020304" pitchFamily="18" charset="0"/>
               </a:rPr>
-              <a:t> Total of 555 ejections per simulation</a:t>
-            </a:r>
-          </a:p>
-          <a:p>
-            <a:pPr lvl="1">
+              <a:t> The Results</a:t>
+            </a:r>
+          </a:p>
+          <a:p>
+            <a:pPr>
               <a:buFont typeface="Arial" panose="020B0604020202020204" pitchFamily="34" charset="0"/>
               <a:buChar char="•"/>
             </a:pPr>
-            <a:endParaRPr lang="de-DE" sz="2000" dirty="0">
-              <a:latin typeface="Times New Roman" panose="02020603050405020304" pitchFamily="18" charset="0"/>
-              <a:cs typeface="Times New Roman" panose="02020603050405020304" pitchFamily="18" charset="0"/>
-            </a:endParaRPr>
-          </a:p>
-        </p:txBody>
-      </p:sp>
-      <p:sp>
-        <p:nvSpPr>
-          <p:cNvPr id="5" name="TextBox 4">
-            <a:extLst>
-              <a:ext uri="{FF2B5EF4-FFF2-40B4-BE49-F238E27FC236}">
-                <a16:creationId xmlns:a16="http://schemas.microsoft.com/office/drawing/2014/main" id="{D4B4F8AF-DC28-469E-9579-53125F529CC9}"/>
-              </a:ext>
-            </a:extLst>
-          </p:cNvPr>
-          <p:cNvSpPr txBox="1"/>
-          <p:nvPr/>
-        </p:nvSpPr>
-        <p:spPr>
-          <a:xfrm>
-            <a:off x="0" y="6469112"/>
-            <a:ext cx="4824248" cy="338554"/>
-          </a:xfrm>
-          <a:prstGeom prst="rect">
-            <a:avLst/>
-          </a:prstGeom>
-          <a:noFill/>
-        </p:spPr>
-        <p:txBody>
-          <a:bodyPr wrap="square" rtlCol="0">
-            <a:spAutoFit/>
-          </a:bodyPr>
-          <a:lstStyle/>
-          <a:p>
-            <a:r>
-              <a:rPr lang="en-US" sz="1600" dirty="0">
+            <a:r>
+              <a:rPr lang="en-US" dirty="0">
                 <a:latin typeface="Times New Roman" panose="02020603050405020304" pitchFamily="18" charset="0"/>
                 <a:cs typeface="Times New Roman" panose="02020603050405020304" pitchFamily="18" charset="0"/>
               </a:rPr>
-              <a:t>2.1 Sampled Millisecond Pulsar Population: Birth Rate</a:t>
-            </a:r>
-            <a:endParaRPr lang="de-DE" sz="1600" dirty="0">
-              <a:latin typeface="Times New Roman" panose="02020603050405020304" pitchFamily="18" charset="0"/>
-              <a:cs typeface="Times New Roman" panose="02020603050405020304" pitchFamily="18" charset="0"/>
-            </a:endParaRPr>
-          </a:p>
-        </p:txBody>
-      </p:sp>
-      <p:pic>
-        <p:nvPicPr>
-          <p:cNvPr id="7" name="Picture 6">
-            <a:extLst>
-              <a:ext uri="{FF2B5EF4-FFF2-40B4-BE49-F238E27FC236}">
-                <a16:creationId xmlns:a16="http://schemas.microsoft.com/office/drawing/2014/main" id="{2AA3D836-35A3-4BFB-BA12-3A98C4E302F5}"/>
-              </a:ext>
-            </a:extLst>
-          </p:cNvPr>
-          <p:cNvPicPr>
-            <a:picLocks noChangeAspect="1"/>
-          </p:cNvPicPr>
-          <p:nvPr/>
-        </p:nvPicPr>
-        <p:blipFill>
-          <a:blip r:embed="rId3">
-            <a:extLst>
-              <a:ext uri="{28A0092B-C50C-407E-A947-70E740481C1C}">
-                <a14:useLocalDpi xmlns:a14="http://schemas.microsoft.com/office/drawing/2010/main" val="0"/>
-              </a:ext>
-            </a:extLst>
-          </a:blip>
-          <a:stretch>
-            <a:fillRect/>
-          </a:stretch>
-        </p:blipFill>
-        <p:spPr>
-          <a:xfrm>
-            <a:off x="5791200" y="1845734"/>
-            <a:ext cx="5364480" cy="4023360"/>
-          </a:xfrm>
-          <a:prstGeom prst="rect">
-            <a:avLst/>
-          </a:prstGeom>
-        </p:spPr>
-      </p:pic>
+              <a:t> Future Research</a:t>
+            </a:r>
+          </a:p>
+        </p:txBody>
+      </p:sp>
     </p:spTree>
     <p:extLst>
       <p:ext uri="{BB962C8B-B14F-4D97-AF65-F5344CB8AC3E}">
-        <p14:creationId xmlns:p14="http://schemas.microsoft.com/office/powerpoint/2010/main" val="24467542"/>
+        <p14:creationId xmlns:p14="http://schemas.microsoft.com/office/powerpoint/2010/main" val="1587221287"/>
       </p:ext>
     </p:extLst>
   </p:cSld>
@@ -6682,8 +6941,8 @@
           </a:p>
         </p:txBody>
       </p:sp>
-      <mc:AlternateContent xmlns:mc="http://schemas.openxmlformats.org/markup-compatibility/2006">
-        <mc:Choice xmlns:a14="http://schemas.microsoft.com/office/drawing/2010/main" Requires="a14">
+      <mc:AlternateContent xmlns:mc="http://schemas.openxmlformats.org/markup-compatibility/2006" xmlns:a14="http://schemas.microsoft.com/office/drawing/2010/main">
+        <mc:Choice Requires="a14">
           <p:sp>
             <p:nvSpPr>
               <p:cNvPr id="3" name="Content Placeholder 2">
@@ -7349,7 +7608,7 @@
             </p:txBody>
           </p:sp>
         </mc:Choice>
-        <mc:Fallback>
+        <mc:Fallback xmlns="">
           <p:sp>
             <p:nvSpPr>
               <p:cNvPr id="3" name="Content Placeholder 2">
@@ -7422,7 +7681,7 @@
                 <a:latin typeface="Times New Roman" panose="02020603050405020304" pitchFamily="18" charset="0"/>
                 <a:cs typeface="Times New Roman" panose="02020603050405020304" pitchFamily="18" charset="0"/>
               </a:rPr>
-              <a:t>2.2 Sampled Millisecond Pulsar Population: Velocity Distribution</a:t>
+              <a:t>2.1 Sampled Millisecond Pulsar Population: Velocity Distribution</a:t>
             </a:r>
             <a:endParaRPr lang="de-DE" sz="1600" dirty="0">
               <a:latin typeface="Times New Roman" panose="02020603050405020304" pitchFamily="18" charset="0"/>
@@ -7561,7 +7820,7 @@
                 <a:latin typeface="Times New Roman" panose="02020603050405020304" pitchFamily="18" charset="0"/>
                 <a:cs typeface="Times New Roman" panose="02020603050405020304" pitchFamily="18" charset="0"/>
               </a:rPr>
-              <a:t>2.2 Sampled Millisecond Pulsar Population: Velocity Distribution</a:t>
+              <a:t>2.1 Sampled Millisecond Pulsar Population: Velocity Distribution</a:t>
             </a:r>
             <a:endParaRPr lang="de-DE" sz="1600" dirty="0">
               <a:latin typeface="Times New Roman" panose="02020603050405020304" pitchFamily="18" charset="0"/>
@@ -7682,7 +7941,7 @@
           <p:cNvPr id="2" name="Title 1">
             <a:extLst>
               <a:ext uri="{FF2B5EF4-FFF2-40B4-BE49-F238E27FC236}">
-                <a16:creationId xmlns:a16="http://schemas.microsoft.com/office/drawing/2014/main" id="{7BD1A673-39D8-463B-82A7-E576C31AC832}"/>
+                <a16:creationId xmlns:a16="http://schemas.microsoft.com/office/drawing/2014/main" id="{5BEBD774-A568-4C4F-9C54-8C040A76CE6F}"/>
               </a:ext>
             </a:extLst>
           </p:cNvPr>
@@ -7703,338 +7962,143 @@
                 <a:latin typeface="Times New Roman" panose="02020603050405020304" pitchFamily="18" charset="0"/>
                 <a:cs typeface="Times New Roman" panose="02020603050405020304" pitchFamily="18" charset="0"/>
               </a:rPr>
-              <a:t>Sampled Millisecond Pulsar Population: Mass Distribution</a:t>
+              <a:t>Sampled Millisecond Pulsar Population: Birth Rate</a:t>
             </a:r>
             <a:endParaRPr lang="de-DE" dirty="0"/>
           </a:p>
         </p:txBody>
       </p:sp>
-      <mc:AlternateContent xmlns:mc="http://schemas.openxmlformats.org/markup-compatibility/2006">
-        <mc:Choice xmlns:a14="http://schemas.microsoft.com/office/drawing/2010/main" Requires="a14">
-          <p:sp>
-            <p:nvSpPr>
-              <p:cNvPr id="3" name="Content Placeholder 2">
-                <a:extLst>
-                  <a:ext uri="{FF2B5EF4-FFF2-40B4-BE49-F238E27FC236}">
-                    <a16:creationId xmlns:a16="http://schemas.microsoft.com/office/drawing/2014/main" id="{8A093466-BF7B-40D6-9AC4-DCFA51C97653}"/>
-                  </a:ext>
-                </a:extLst>
-              </p:cNvPr>
-              <p:cNvSpPr>
-                <a:spLocks noGrp="1"/>
-              </p:cNvSpPr>
-              <p:nvPr>
-                <p:ph idx="1"/>
-              </p:nvPr>
-            </p:nvSpPr>
-            <p:spPr/>
-            <p:txBody>
-              <a:bodyPr>
-                <a:normAutofit/>
-              </a:bodyPr>
-              <a:lstStyle/>
-              <a:p>
-                <a:pPr>
-                  <a:buFont typeface="Arial" panose="020B0604020202020204" pitchFamily="34" charset="0"/>
-                  <a:buChar char="•"/>
-                </a:pPr>
-                <a:r>
-                  <a:rPr lang="en-US" dirty="0">
-                    <a:latin typeface="Times New Roman" panose="02020603050405020304" pitchFamily="18" charset="0"/>
-                    <a:cs typeface="Times New Roman" panose="02020603050405020304" pitchFamily="18" charset="0"/>
-                  </a:rPr>
-                  <a:t> Energy conservation code</a:t>
-                </a:r>
-              </a:p>
-              <a:p>
-                <a:pPr>
-                  <a:buFont typeface="Arial" panose="020B0604020202020204" pitchFamily="34" charset="0"/>
-                  <a:buChar char="•"/>
-                </a:pPr>
-                <a:r>
-                  <a:rPr lang="en-US" dirty="0">
-                    <a:latin typeface="Times New Roman" panose="02020603050405020304" pitchFamily="18" charset="0"/>
-                    <a:cs typeface="Times New Roman" panose="02020603050405020304" pitchFamily="18" charset="0"/>
-                  </a:rPr>
-                  <a:t> Neutron stars tend to be </a:t>
-                </a:r>
-                <a14:m>
-                  <m:oMath xmlns:m="http://schemas.openxmlformats.org/officeDocument/2006/math">
-                    <m:r>
-                      <a:rPr lang="en-US" b="0" i="1" smtClean="0">
-                        <a:latin typeface="Cambria Math" panose="02040503050406030204" pitchFamily="18" charset="0"/>
-                      </a:rPr>
-                      <m:t>1.4 </m:t>
-                    </m:r>
-                    <m:sSub>
-                      <m:sSubPr>
-                        <m:ctrlPr>
-                          <a:rPr lang="en-US" b="0" i="1" smtClean="0">
-                            <a:latin typeface="Cambria Math" panose="02040503050406030204" pitchFamily="18" charset="0"/>
-                          </a:rPr>
-                        </m:ctrlPr>
-                      </m:sSubPr>
-                      <m:e>
-                        <m:r>
-                          <a:rPr lang="en-US" b="0" i="1" smtClean="0">
-                            <a:latin typeface="Cambria Math" panose="02040503050406030204" pitchFamily="18" charset="0"/>
-                          </a:rPr>
-                          <m:t>𝑀</m:t>
-                        </m:r>
-                      </m:e>
-                      <m:sub>
-                        <m:r>
-                          <a:rPr lang="en-US" b="0" i="1" smtClean="0">
-                            <a:latin typeface="Cambria Math" panose="02040503050406030204" pitchFamily="18" charset="0"/>
-                          </a:rPr>
-                          <m:t>⊙</m:t>
-                        </m:r>
-                      </m:sub>
-                    </m:sSub>
-                  </m:oMath>
-                </a14:m>
-                <a:r>
-                  <a:rPr lang="de-DE" dirty="0">
-                    <a:latin typeface="Times New Roman" panose="02020603050405020304" pitchFamily="18" charset="0"/>
-                    <a:cs typeface="Times New Roman" panose="02020603050405020304" pitchFamily="18" charset="0"/>
-                  </a:rPr>
-                  <a:t> (Chandresakhar limit)</a:t>
-                </a:r>
-              </a:p>
-              <a:p>
-                <a:pPr>
-                  <a:buFont typeface="Arial" panose="020B0604020202020204" pitchFamily="34" charset="0"/>
-                  <a:buChar char="•"/>
-                </a:pPr>
-                <a:r>
-                  <a:rPr lang="de-DE" dirty="0">
-                    <a:latin typeface="Times New Roman" panose="02020603050405020304" pitchFamily="18" charset="0"/>
-                    <a:cs typeface="Times New Roman" panose="02020603050405020304" pitchFamily="18" charset="0"/>
-                  </a:rPr>
-                  <a:t> Millisecond pulsars accrete mass</a:t>
-                </a:r>
-              </a:p>
-              <a:p>
-                <a:pPr lvl="1">
-                  <a:buFont typeface="Arial" panose="020B0604020202020204" pitchFamily="34" charset="0"/>
-                  <a:buChar char="•"/>
-                </a:pPr>
-                <a:r>
-                  <a:rPr lang="de-DE" sz="2000" dirty="0">
-                    <a:latin typeface="Times New Roman" panose="02020603050405020304" pitchFamily="18" charset="0"/>
-                    <a:cs typeface="Times New Roman" panose="02020603050405020304" pitchFamily="18" charset="0"/>
-                  </a:rPr>
-                  <a:t>Data taken from Antoniadis et al. 2016</a:t>
-                </a:r>
-              </a:p>
-              <a:p>
-                <a:pPr lvl="2">
-                  <a:buFont typeface="Arial" panose="020B0604020202020204" pitchFamily="34" charset="0"/>
-                  <a:buChar char="•"/>
-                </a:pPr>
-                <a14:m>
-                  <m:oMath xmlns:m="http://schemas.openxmlformats.org/officeDocument/2006/math">
-                    <m:acc>
-                      <m:accPr>
-                        <m:chr m:val="̅"/>
-                        <m:ctrlPr>
-                          <a:rPr lang="en-US" sz="2000" b="0" i="1" smtClean="0">
-                            <a:latin typeface="Cambria Math" panose="02040503050406030204" pitchFamily="18" charset="0"/>
-                            <a:cs typeface="Times New Roman" panose="02020603050405020304" pitchFamily="18" charset="0"/>
-                          </a:rPr>
-                        </m:ctrlPr>
-                      </m:accPr>
-                      <m:e>
-                        <m:r>
-                          <a:rPr lang="en-US" sz="2000" b="0" i="1" smtClean="0">
-                            <a:latin typeface="Cambria Math" panose="02040503050406030204" pitchFamily="18" charset="0"/>
-                            <a:cs typeface="Times New Roman" panose="02020603050405020304" pitchFamily="18" charset="0"/>
-                          </a:rPr>
-                          <m:t>𝑚</m:t>
-                        </m:r>
-                      </m:e>
-                    </m:acc>
-                    <m:r>
-                      <a:rPr lang="en-US" sz="2000" b="0" i="1" smtClean="0">
-                        <a:latin typeface="Cambria Math" panose="02040503050406030204" pitchFamily="18" charset="0"/>
-                        <a:cs typeface="Times New Roman" panose="02020603050405020304" pitchFamily="18" charset="0"/>
-                      </a:rPr>
-                      <m:t>=1.4 </m:t>
-                    </m:r>
-                    <m:sSub>
-                      <m:sSubPr>
-                        <m:ctrlPr>
-                          <a:rPr lang="en-US" sz="2000" b="0" i="1" smtClean="0">
-                            <a:latin typeface="Cambria Math" panose="02040503050406030204" pitchFamily="18" charset="0"/>
-                            <a:cs typeface="Times New Roman" panose="02020603050405020304" pitchFamily="18" charset="0"/>
-                          </a:rPr>
-                        </m:ctrlPr>
-                      </m:sSubPr>
-                      <m:e>
-                        <m:r>
-                          <a:rPr lang="en-US" sz="2000" b="0" i="1" smtClean="0">
-                            <a:latin typeface="Cambria Math" panose="02040503050406030204" pitchFamily="18" charset="0"/>
-                            <a:cs typeface="Times New Roman" panose="02020603050405020304" pitchFamily="18" charset="0"/>
-                          </a:rPr>
-                          <m:t>𝑀</m:t>
-                        </m:r>
-                      </m:e>
-                      <m:sub>
-                        <m:r>
-                          <a:rPr lang="en-US" sz="2000" b="0" i="1" smtClean="0">
-                            <a:latin typeface="Cambria Math" panose="02040503050406030204" pitchFamily="18" charset="0"/>
-                            <a:cs typeface="Times New Roman" panose="02020603050405020304" pitchFamily="18" charset="0"/>
-                          </a:rPr>
-                          <m:t>⊙</m:t>
-                        </m:r>
-                      </m:sub>
-                    </m:sSub>
-                  </m:oMath>
-                </a14:m>
-                <a:endParaRPr lang="de-DE" sz="2000" dirty="0">
-                  <a:latin typeface="Times New Roman" panose="02020603050405020304" pitchFamily="18" charset="0"/>
-                  <a:cs typeface="Times New Roman" panose="02020603050405020304" pitchFamily="18" charset="0"/>
-                </a:endParaRPr>
-              </a:p>
-              <a:p>
-                <a:pPr lvl="2">
-                  <a:buFont typeface="Arial" panose="020B0604020202020204" pitchFamily="34" charset="0"/>
-                  <a:buChar char="•"/>
-                </a:pPr>
-                <a14:m>
-                  <m:oMath xmlns:m="http://schemas.openxmlformats.org/officeDocument/2006/math">
-                    <m:sSub>
-                      <m:sSubPr>
-                        <m:ctrlPr>
-                          <a:rPr lang="en-US" sz="2000" b="0" i="1" smtClean="0">
-                            <a:latin typeface="Cambria Math" panose="02040503050406030204" pitchFamily="18" charset="0"/>
-                            <a:cs typeface="Times New Roman" panose="02020603050405020304" pitchFamily="18" charset="0"/>
-                          </a:rPr>
-                        </m:ctrlPr>
-                      </m:sSubPr>
-                      <m:e>
-                        <m:r>
-                          <a:rPr lang="en-US" sz="2000" b="0" i="1" smtClean="0">
-                            <a:latin typeface="Cambria Math" panose="02040503050406030204" pitchFamily="18" charset="0"/>
-                            <a:cs typeface="Times New Roman" panose="02020603050405020304" pitchFamily="18" charset="0"/>
-                          </a:rPr>
-                          <m:t>𝜎</m:t>
-                        </m:r>
-                      </m:e>
-                      <m:sub>
-                        <m:r>
-                          <a:rPr lang="en-US" sz="2000" b="0" i="1" smtClean="0">
-                            <a:latin typeface="Cambria Math" panose="02040503050406030204" pitchFamily="18" charset="0"/>
-                            <a:cs typeface="Times New Roman" panose="02020603050405020304" pitchFamily="18" charset="0"/>
-                          </a:rPr>
-                          <m:t>𝑚</m:t>
-                        </m:r>
-                      </m:sub>
-                    </m:sSub>
-                    <m:r>
-                      <a:rPr lang="en-US" sz="2000" b="0" i="0" smtClean="0">
-                        <a:latin typeface="Cambria Math" panose="02040503050406030204" pitchFamily="18" charset="0"/>
-                        <a:cs typeface="Times New Roman" panose="02020603050405020304" pitchFamily="18" charset="0"/>
-                      </a:rPr>
-                      <m:t>=0.3 </m:t>
-                    </m:r>
-                    <m:sSub>
-                      <m:sSubPr>
-                        <m:ctrlPr>
-                          <a:rPr lang="en-US" sz="2000" b="0" i="1" smtClean="0">
-                            <a:latin typeface="Cambria Math" panose="02040503050406030204" pitchFamily="18" charset="0"/>
-                            <a:cs typeface="Times New Roman" panose="02020603050405020304" pitchFamily="18" charset="0"/>
-                          </a:rPr>
-                        </m:ctrlPr>
-                      </m:sSubPr>
-                      <m:e>
-                        <m:r>
-                          <a:rPr lang="en-US" sz="2000" b="0" i="1" smtClean="0">
-                            <a:latin typeface="Cambria Math" panose="02040503050406030204" pitchFamily="18" charset="0"/>
-                            <a:cs typeface="Times New Roman" panose="02020603050405020304" pitchFamily="18" charset="0"/>
-                          </a:rPr>
-                          <m:t>𝑀</m:t>
-                        </m:r>
-                      </m:e>
-                      <m:sub>
-                        <m:r>
-                          <a:rPr lang="en-US" sz="2000" b="0" i="1" smtClean="0">
-                            <a:latin typeface="Cambria Math" panose="02040503050406030204" pitchFamily="18" charset="0"/>
-                            <a:cs typeface="Times New Roman" panose="02020603050405020304" pitchFamily="18" charset="0"/>
-                          </a:rPr>
-                          <m:t>⊙</m:t>
-                        </m:r>
-                      </m:sub>
-                    </m:sSub>
-                  </m:oMath>
-                </a14:m>
-                <a:endParaRPr lang="de-DE" sz="2000" dirty="0">
-                  <a:latin typeface="Times New Roman" panose="02020603050405020304" pitchFamily="18" charset="0"/>
-                  <a:cs typeface="Times New Roman" panose="02020603050405020304" pitchFamily="18" charset="0"/>
-                </a:endParaRPr>
-              </a:p>
-              <a:p>
-                <a:pPr>
-                  <a:buFont typeface="Arial" panose="020B0604020202020204" pitchFamily="34" charset="0"/>
-                  <a:buChar char="•"/>
-                </a:pPr>
-                <a:r>
-                  <a:rPr lang="de-DE" dirty="0">
-                    <a:latin typeface="Times New Roman" panose="02020603050405020304" pitchFamily="18" charset="0"/>
-                    <a:cs typeface="Times New Roman" panose="02020603050405020304" pitchFamily="18" charset="0"/>
-                  </a:rPr>
-                  <a:t> Gaussian Distribution – Central Limit Theorem</a:t>
-                </a:r>
-              </a:p>
-            </p:txBody>
-          </p:sp>
-        </mc:Choice>
-        <mc:Fallback>
-          <p:sp>
-            <p:nvSpPr>
-              <p:cNvPr id="3" name="Content Placeholder 2">
-                <a:extLst>
-                  <a:ext uri="{FF2B5EF4-FFF2-40B4-BE49-F238E27FC236}">
-                    <a16:creationId xmlns:a16="http://schemas.microsoft.com/office/drawing/2014/main" id="{8A093466-BF7B-40D6-9AC4-DCFA51C97653}"/>
-                  </a:ext>
-                </a:extLst>
-              </p:cNvPr>
-              <p:cNvSpPr>
-                <a:spLocks noGrp="1" noRot="1" noChangeAspect="1" noMove="1" noResize="1" noEditPoints="1" noAdjustHandles="1" noChangeArrowheads="1" noChangeShapeType="1" noTextEdit="1"/>
-              </p:cNvSpPr>
-              <p:nvPr>
-                <p:ph idx="1"/>
-              </p:nvPr>
-            </p:nvSpPr>
-            <p:spPr>
-              <a:blipFill>
-                <a:blip r:embed="rId3"/>
-                <a:stretch>
-                  <a:fillRect l="-1455" t="-1667"/>
-                </a:stretch>
-              </a:blipFill>
-            </p:spPr>
-            <p:txBody>
-              <a:bodyPr/>
-              <a:lstStyle/>
-              <a:p>
-                <a:r>
-                  <a:rPr lang="de-DE">
-                    <a:noFill/>
-                  </a:rPr>
-                  <a:t> </a:t>
-                </a:r>
-              </a:p>
-            </p:txBody>
-          </p:sp>
-        </mc:Fallback>
-      </mc:AlternateContent>
+      <p:sp>
+        <p:nvSpPr>
+          <p:cNvPr id="3" name="Content Placeholder 2">
+            <a:extLst>
+              <a:ext uri="{FF2B5EF4-FFF2-40B4-BE49-F238E27FC236}">
+                <a16:creationId xmlns:a16="http://schemas.microsoft.com/office/drawing/2014/main" id="{D09E6C6B-D5F8-452E-B542-D0E2A7D125CD}"/>
+              </a:ext>
+            </a:extLst>
+          </p:cNvPr>
+          <p:cNvSpPr>
+            <a:spLocks noGrp="1"/>
+          </p:cNvSpPr>
+          <p:nvPr>
+            <p:ph idx="1"/>
+          </p:nvPr>
+        </p:nvSpPr>
+        <p:spPr/>
+        <p:txBody>
+          <a:bodyPr/>
+          <a:lstStyle/>
+          <a:p>
+            <a:pPr>
+              <a:buFont typeface="Arial" panose="020B0604020202020204" pitchFamily="34" charset="0"/>
+              <a:buChar char="•"/>
+            </a:pPr>
+            <a:r>
+              <a:rPr lang="en-US" dirty="0">
+                <a:latin typeface="Times New Roman" panose="02020603050405020304" pitchFamily="18" charset="0"/>
+                <a:cs typeface="Times New Roman" panose="02020603050405020304" pitchFamily="18" charset="0"/>
+              </a:rPr>
+              <a:t> Milky Way birthrate: </a:t>
+            </a:r>
+            <a:r>
+              <a:rPr lang="en-US" sz="1400" dirty="0">
+                <a:latin typeface="Times New Roman" panose="02020603050405020304" pitchFamily="18" charset="0"/>
+                <a:cs typeface="Times New Roman" panose="02020603050405020304" pitchFamily="18" charset="0"/>
+              </a:rPr>
+              <a:t>~</a:t>
+            </a:r>
+            <a:r>
+              <a:rPr lang="en-US" dirty="0">
+                <a:latin typeface="Times New Roman" panose="02020603050405020304" pitchFamily="18" charset="0"/>
+                <a:cs typeface="Times New Roman" panose="02020603050405020304" pitchFamily="18" charset="0"/>
+              </a:rPr>
+              <a:t>0.05 Myr</a:t>
+            </a:r>
+          </a:p>
+          <a:p>
+            <a:pPr>
+              <a:buFont typeface="Arial" panose="020B0604020202020204" pitchFamily="34" charset="0"/>
+              <a:buChar char="•"/>
+            </a:pPr>
+            <a:r>
+              <a:rPr lang="en-US" dirty="0">
+                <a:latin typeface="Times New Roman" panose="02020603050405020304" pitchFamily="18" charset="0"/>
+                <a:cs typeface="Times New Roman" panose="02020603050405020304" pitchFamily="18" charset="0"/>
+              </a:rPr>
+              <a:t> LMC birthrate: </a:t>
+            </a:r>
+            <a:r>
+              <a:rPr lang="en-US" sz="1400" dirty="0">
+                <a:latin typeface="Times New Roman" panose="02020603050405020304" pitchFamily="18" charset="0"/>
+                <a:cs typeface="Times New Roman" panose="02020603050405020304" pitchFamily="18" charset="0"/>
+              </a:rPr>
+              <a:t>~</a:t>
+            </a:r>
+            <a:r>
+              <a:rPr lang="en-US" dirty="0">
+                <a:latin typeface="Times New Roman" panose="02020603050405020304" pitchFamily="18" charset="0"/>
+                <a:cs typeface="Times New Roman" panose="02020603050405020304" pitchFamily="18" charset="0"/>
+              </a:rPr>
+              <a:t>1.80 Myr</a:t>
+            </a:r>
+          </a:p>
+          <a:p>
+            <a:pPr lvl="1">
+              <a:buFont typeface="Arial" panose="020B0604020202020204" pitchFamily="34" charset="0"/>
+              <a:buChar char="•"/>
+            </a:pPr>
+            <a:r>
+              <a:rPr lang="de-DE" sz="2000" dirty="0">
+                <a:latin typeface="Times New Roman" panose="02020603050405020304" pitchFamily="18" charset="0"/>
+                <a:cs typeface="Times New Roman" panose="02020603050405020304" pitchFamily="18" charset="0"/>
+              </a:rPr>
+              <a:t>SFR of Milky Way and LMC</a:t>
+            </a:r>
+          </a:p>
+          <a:p>
+            <a:pPr lvl="1">
+              <a:buFont typeface="Arial" panose="020B0604020202020204" pitchFamily="34" charset="0"/>
+              <a:buChar char="•"/>
+            </a:pPr>
+            <a:r>
+              <a:rPr lang="de-DE" sz="2000" dirty="0">
+                <a:latin typeface="Times New Roman" panose="02020603050405020304" pitchFamily="18" charset="0"/>
+                <a:cs typeface="Times New Roman" panose="02020603050405020304" pitchFamily="18" charset="0"/>
+              </a:rPr>
+              <a:t>Incorporate fraction of binary population</a:t>
+            </a:r>
+          </a:p>
+          <a:p>
+            <a:pPr>
+              <a:buFont typeface="Arial" panose="020B0604020202020204" pitchFamily="34" charset="0"/>
+              <a:buChar char="•"/>
+            </a:pPr>
+            <a:r>
+              <a:rPr lang="de-DE" sz="2200" dirty="0">
+                <a:latin typeface="Times New Roman" panose="02020603050405020304" pitchFamily="18" charset="0"/>
+                <a:cs typeface="Times New Roman" panose="02020603050405020304" pitchFamily="18" charset="0"/>
+              </a:rPr>
+              <a:t> Total of 555 ejections per simulation</a:t>
+            </a:r>
+          </a:p>
+          <a:p>
+            <a:pPr lvl="1">
+              <a:buFont typeface="Arial" panose="020B0604020202020204" pitchFamily="34" charset="0"/>
+              <a:buChar char="•"/>
+            </a:pPr>
+            <a:endParaRPr lang="de-DE" sz="2000" dirty="0">
+              <a:latin typeface="Times New Roman" panose="02020603050405020304" pitchFamily="18" charset="0"/>
+              <a:cs typeface="Times New Roman" panose="02020603050405020304" pitchFamily="18" charset="0"/>
+            </a:endParaRPr>
+          </a:p>
+        </p:txBody>
+      </p:sp>
       <p:sp>
         <p:nvSpPr>
           <p:cNvPr id="5" name="TextBox 4">
             <a:extLst>
               <a:ext uri="{FF2B5EF4-FFF2-40B4-BE49-F238E27FC236}">
-                <a16:creationId xmlns:a16="http://schemas.microsoft.com/office/drawing/2014/main" id="{3C797C46-52F9-48B7-82C1-BED61BD74B07}"/>
+                <a16:creationId xmlns:a16="http://schemas.microsoft.com/office/drawing/2014/main" id="{D4B4F8AF-DC28-469E-9579-53125F529CC9}"/>
               </a:ext>
             </a:extLst>
           </p:cNvPr>
@@ -8043,8 +8107,8 @@
         </p:nvSpPr>
         <p:spPr>
           <a:xfrm>
-            <a:off x="-1" y="6469112"/>
-            <a:ext cx="5749159" cy="338554"/>
+            <a:off x="0" y="6469112"/>
+            <a:ext cx="4824248" cy="338554"/>
           </a:xfrm>
           <a:prstGeom prst="rect">
             <a:avLst/>
@@ -8062,7 +8126,7 @@
                 <a:latin typeface="Times New Roman" panose="02020603050405020304" pitchFamily="18" charset="0"/>
                 <a:cs typeface="Times New Roman" panose="02020603050405020304" pitchFamily="18" charset="0"/>
               </a:rPr>
-              <a:t>2.3 Sampled Millisecond Pulsar Population: Mass Distribution</a:t>
+              <a:t>2.2 Sampled Millisecond Pulsar Population: Birth Rate</a:t>
             </a:r>
             <a:endParaRPr lang="de-DE" sz="1600" dirty="0">
               <a:latin typeface="Times New Roman" panose="02020603050405020304" pitchFamily="18" charset="0"/>
@@ -8071,10 +8135,46 @@
           </a:p>
         </p:txBody>
       </p:sp>
+      <p:pic>
+        <p:nvPicPr>
+          <p:cNvPr id="7" name="Picture 6">
+            <a:extLst>
+              <a:ext uri="{FF2B5EF4-FFF2-40B4-BE49-F238E27FC236}">
+                <a16:creationId xmlns:a16="http://schemas.microsoft.com/office/drawing/2014/main" id="{2AA3D836-35A3-4BFB-BA12-3A98C4E302F5}"/>
+              </a:ext>
+            </a:extLst>
+          </p:cNvPr>
+          <p:cNvPicPr>
+            <a:picLocks noChangeAspect="1"/>
+          </p:cNvPicPr>
+          <p:nvPr/>
+        </p:nvPicPr>
+        <p:blipFill>
+          <a:blip r:embed="rId3">
+            <a:extLst>
+              <a:ext uri="{28A0092B-C50C-407E-A947-70E740481C1C}">
+                <a14:useLocalDpi xmlns:a14="http://schemas.microsoft.com/office/drawing/2010/main" val="0"/>
+              </a:ext>
+            </a:extLst>
+          </a:blip>
+          <a:stretch>
+            <a:fillRect/>
+          </a:stretch>
+        </p:blipFill>
+        <p:spPr>
+          <a:xfrm>
+            <a:off x="5791200" y="1845734"/>
+            <a:ext cx="5364480" cy="4023360"/>
+          </a:xfrm>
+          <a:prstGeom prst="rect">
+            <a:avLst/>
+          </a:prstGeom>
+        </p:spPr>
+      </p:pic>
     </p:spTree>
     <p:extLst>
       <p:ext uri="{BB962C8B-B14F-4D97-AF65-F5344CB8AC3E}">
-        <p14:creationId xmlns:p14="http://schemas.microsoft.com/office/powerpoint/2010/main" val="2079015644"/>
+        <p14:creationId xmlns:p14="http://schemas.microsoft.com/office/powerpoint/2010/main" val="24467542"/>
       </p:ext>
     </p:extLst>
   </p:cSld>

--- a/Documents/The Milky Way and its Millisecond Pulsar Population.pptx
+++ b/Documents/The Milky Way and its Millisecond Pulsar Population.pptx
@@ -5,7 +5,7 @@
     <p:sldMasterId id="2147483851" r:id="rId1"/>
   </p:sldMasterIdLst>
   <p:notesMasterIdLst>
-    <p:notesMasterId r:id="rId13"/>
+    <p:notesMasterId r:id="rId12"/>
   </p:notesMasterIdLst>
   <p:sldIdLst>
     <p:sldId id="256" r:id="rId2"/>
@@ -17,8 +17,7 @@
     <p:sldId id="260" r:id="rId8"/>
     <p:sldId id="265" r:id="rId9"/>
     <p:sldId id="259" r:id="rId10"/>
-    <p:sldId id="261" r:id="rId11"/>
-    <p:sldId id="263" r:id="rId12"/>
+    <p:sldId id="263" r:id="rId11"/>
   </p:sldIdLst>
   <p:sldSz cx="12192000" cy="6858000"/>
   <p:notesSz cx="6858000" cy="9144000"/>
@@ -207,7 +206,7 @@
           <a:p>
             <a:fld id="{75202F4A-0407-4F23-82C4-EE0ACC59E947}" type="datetimeFigureOut">
               <a:rPr lang="de-DE" smtClean="0"/>
-              <a:t>12.11.2020</a:t>
+              <a:t>13.11.2020</a:t>
             </a:fld>
             <a:endParaRPr lang="de-DE"/>
           </a:p>
@@ -1081,37 +1080,6 @@
           <a:bodyPr/>
           <a:lstStyle/>
           <a:p>
-            <a:pPr marL="171450" indent="-171450">
-              <a:buFont typeface="Arial" panose="020B0604020202020204" pitchFamily="34" charset="0"/>
-              <a:buChar char="•"/>
-            </a:pPr>
-            <a:r>
-              <a:rPr lang="en-US" dirty="0"/>
-              <a:t>Three percent of the MSP had masses above 2.1 </a:t>
-            </a:r>
-            <a:r>
-              <a:rPr lang="en-US" dirty="0" err="1"/>
-              <a:t>M_odot</a:t>
-            </a:r>
-            <a:r>
-              <a:rPr lang="en-US" dirty="0"/>
-              <a:t> but with a maximum mass of 2.15 M_\</a:t>
-            </a:r>
-            <a:r>
-              <a:rPr lang="en-US" dirty="0" err="1"/>
-              <a:t>odot</a:t>
-            </a:r>
-            <a:endParaRPr lang="en-US" dirty="0"/>
-          </a:p>
-          <a:p>
-            <a:pPr marL="171450" indent="-171450">
-              <a:buFont typeface="Arial" panose="020B0604020202020204" pitchFamily="34" charset="0"/>
-              <a:buChar char="•"/>
-            </a:pPr>
-            <a:r>
-              <a:rPr lang="en-US" dirty="0"/>
-              <a:t>Used the values given to work backwards and find standard deviation but there was no theorized function so we used a normal distribution based on CLT</a:t>
-            </a:r>
             <a:endParaRPr lang="de-DE" dirty="0"/>
           </a:p>
         </p:txBody>
@@ -1134,90 +1102,6 @@
             <a:fld id="{A0F7D781-2B19-46FF-82D1-2A838C7DA24D}" type="slidenum">
               <a:rPr lang="de-DE" smtClean="0"/>
               <a:t>10</a:t>
-            </a:fld>
-            <a:endParaRPr lang="de-DE"/>
-          </a:p>
-        </p:txBody>
-      </p:sp>
-    </p:spTree>
-    <p:extLst>
-      <p:ext uri="{BB962C8B-B14F-4D97-AF65-F5344CB8AC3E}">
-        <p14:creationId xmlns:p14="http://schemas.microsoft.com/office/powerpoint/2010/main" val="210838484"/>
-      </p:ext>
-    </p:extLst>
-  </p:cSld>
-  <p:clrMapOvr>
-    <a:masterClrMapping/>
-  </p:clrMapOvr>
-</p:notes>
-</file>
-
-<file path=ppt/notesSlides/notesSlide8.xml><?xml version="1.0" encoding="utf-8"?>
-<p:notes xmlns:a="http://schemas.openxmlformats.org/drawingml/2006/main" xmlns:r="http://schemas.openxmlformats.org/officeDocument/2006/relationships" xmlns:p="http://schemas.openxmlformats.org/presentationml/2006/main">
-  <p:cSld>
-    <p:spTree>
-      <p:nvGrpSpPr>
-        <p:cNvPr id="1" name=""/>
-        <p:cNvGrpSpPr/>
-        <p:nvPr/>
-      </p:nvGrpSpPr>
-      <p:grpSpPr>
-        <a:xfrm>
-          <a:off x="0" y="0"/>
-          <a:ext cx="0" cy="0"/>
-          <a:chOff x="0" y="0"/>
-          <a:chExt cx="0" cy="0"/>
-        </a:xfrm>
-      </p:grpSpPr>
-      <p:sp>
-        <p:nvSpPr>
-          <p:cNvPr id="2" name="Slide Image Placeholder 1"/>
-          <p:cNvSpPr>
-            <a:spLocks noGrp="1" noRot="1" noChangeAspect="1"/>
-          </p:cNvSpPr>
-          <p:nvPr>
-            <p:ph type="sldImg"/>
-          </p:nvPr>
-        </p:nvSpPr>
-        <p:spPr/>
-      </p:sp>
-      <p:sp>
-        <p:nvSpPr>
-          <p:cNvPr id="3" name="Notes Placeholder 2"/>
-          <p:cNvSpPr>
-            <a:spLocks noGrp="1"/>
-          </p:cNvSpPr>
-          <p:nvPr>
-            <p:ph type="body" idx="1"/>
-          </p:nvPr>
-        </p:nvSpPr>
-        <p:spPr/>
-        <p:txBody>
-          <a:bodyPr/>
-          <a:lstStyle/>
-          <a:p>
-            <a:endParaRPr lang="de-DE" dirty="0"/>
-          </a:p>
-        </p:txBody>
-      </p:sp>
-      <p:sp>
-        <p:nvSpPr>
-          <p:cNvPr id="4" name="Slide Number Placeholder 3"/>
-          <p:cNvSpPr>
-            <a:spLocks noGrp="1"/>
-          </p:cNvSpPr>
-          <p:nvPr>
-            <p:ph type="sldNum" sz="quarter" idx="5"/>
-          </p:nvPr>
-        </p:nvSpPr>
-        <p:spPr/>
-        <p:txBody>
-          <a:bodyPr/>
-          <a:lstStyle/>
-          <a:p>
-            <a:fld id="{A0F7D781-2B19-46FF-82D1-2A838C7DA24D}" type="slidenum">
-              <a:rPr lang="de-DE" smtClean="0"/>
-              <a:t>11</a:t>
             </a:fld>
             <a:endParaRPr lang="de-DE"/>
           </a:p>
@@ -1464,7 +1348,7 @@
           <a:p>
             <a:fld id="{AA70F276-1833-4A75-9C1D-A56E2295A68D}" type="datetimeFigureOut">
               <a:rPr lang="en-US" smtClean="0"/>
-              <a:t>11/12/2020</a:t>
+              <a:t>11/13/2020</a:t>
             </a:fld>
             <a:endParaRPr lang="en-US"/>
           </a:p>
@@ -1672,7 +1556,7 @@
           <a:p>
             <a:fld id="{AA70F276-1833-4A75-9C1D-A56E2295A68D}" type="datetimeFigureOut">
               <a:rPr lang="en-US" smtClean="0"/>
-              <a:t>11/12/2020</a:t>
+              <a:t>11/13/2020</a:t>
             </a:fld>
             <a:endParaRPr lang="en-US"/>
           </a:p>
@@ -1930,7 +1814,7 @@
           <a:p>
             <a:fld id="{AA70F276-1833-4A75-9C1D-A56E2295A68D}" type="datetimeFigureOut">
               <a:rPr lang="en-US" smtClean="0"/>
-              <a:t>11/12/2020</a:t>
+              <a:t>11/13/2020</a:t>
             </a:fld>
             <a:endParaRPr lang="en-US"/>
           </a:p>
@@ -2100,7 +1984,7 @@
           <a:p>
             <a:fld id="{AA70F276-1833-4A75-9C1D-A56E2295A68D}" type="datetimeFigureOut">
               <a:rPr lang="en-US" smtClean="0"/>
-              <a:t>11/12/2020</a:t>
+              <a:t>11/13/2020</a:t>
             </a:fld>
             <a:endParaRPr lang="en-US"/>
           </a:p>
@@ -2437,7 +2321,7 @@
           <a:p>
             <a:fld id="{AA70F276-1833-4A75-9C1D-A56E2295A68D}" type="datetimeFigureOut">
               <a:rPr lang="en-US" smtClean="0"/>
-              <a:t>11/12/2020</a:t>
+              <a:t>11/13/2020</a:t>
             </a:fld>
             <a:endParaRPr lang="en-US"/>
           </a:p>
@@ -2712,7 +2596,7 @@
           <a:p>
             <a:fld id="{AA70F276-1833-4A75-9C1D-A56E2295A68D}" type="datetimeFigureOut">
               <a:rPr lang="en-US" smtClean="0"/>
-              <a:t>11/12/2020</a:t>
+              <a:t>11/13/2020</a:t>
             </a:fld>
             <a:endParaRPr lang="en-US"/>
           </a:p>
@@ -3095,7 +2979,7 @@
           <a:p>
             <a:fld id="{AA70F276-1833-4A75-9C1D-A56E2295A68D}" type="datetimeFigureOut">
               <a:rPr lang="en-US" smtClean="0"/>
-              <a:t>11/12/2020</a:t>
+              <a:t>11/13/2020</a:t>
             </a:fld>
             <a:endParaRPr lang="en-US"/>
           </a:p>
@@ -3213,7 +3097,7 @@
           <a:p>
             <a:fld id="{AA70F276-1833-4A75-9C1D-A56E2295A68D}" type="datetimeFigureOut">
               <a:rPr lang="en-US" smtClean="0"/>
-              <a:t>11/12/2020</a:t>
+              <a:t>11/13/2020</a:t>
             </a:fld>
             <a:endParaRPr lang="en-US"/>
           </a:p>
@@ -3386,7 +3270,7 @@
           <a:p>
             <a:fld id="{AA70F276-1833-4A75-9C1D-A56E2295A68D}" type="datetimeFigureOut">
               <a:rPr lang="en-US" smtClean="0"/>
-              <a:t>11/12/2020</a:t>
+              <a:t>11/13/2020</a:t>
             </a:fld>
             <a:endParaRPr lang="en-US"/>
           </a:p>
@@ -3742,7 +3626,7 @@
           <a:p>
             <a:fld id="{AA70F276-1833-4A75-9C1D-A56E2295A68D}" type="datetimeFigureOut">
               <a:rPr lang="en-US" smtClean="0"/>
-              <a:t>11/12/2020</a:t>
+              <a:t>11/13/2020</a:t>
             </a:fld>
             <a:endParaRPr lang="en-US"/>
           </a:p>
@@ -4090,7 +3974,7 @@
           <a:p>
             <a:fld id="{AA70F276-1833-4A75-9C1D-A56E2295A68D}" type="datetimeFigureOut">
               <a:rPr lang="en-US" smtClean="0"/>
-              <a:t>11/12/2020</a:t>
+              <a:t>11/13/2020</a:t>
             </a:fld>
             <a:endParaRPr lang="en-US"/>
           </a:p>
@@ -4402,7 +4286,7 @@
             <a:fld id="{AA70F276-1833-4A75-9C1D-A56E2295A68D}" type="datetimeFigureOut">
               <a:rPr lang="en-US" smtClean="0"/>
               <a:pPr/>
-              <a:t>11/12/2020</a:t>
+              <a:t>11/13/2020</a:t>
             </a:fld>
             <a:endParaRPr lang="en-US" dirty="0"/>
           </a:p>
@@ -5166,430 +5050,6 @@
           <p:cNvPr id="2" name="Title 1">
             <a:extLst>
               <a:ext uri="{FF2B5EF4-FFF2-40B4-BE49-F238E27FC236}">
-                <a16:creationId xmlns:a16="http://schemas.microsoft.com/office/drawing/2014/main" id="{7BD1A673-39D8-463B-82A7-E576C31AC832}"/>
-              </a:ext>
-            </a:extLst>
-          </p:cNvPr>
-          <p:cNvSpPr>
-            <a:spLocks noGrp="1"/>
-          </p:cNvSpPr>
-          <p:nvPr>
-            <p:ph type="title"/>
-          </p:nvPr>
-        </p:nvSpPr>
-        <p:spPr/>
-        <p:txBody>
-          <a:bodyPr/>
-          <a:lstStyle/>
-          <a:p>
-            <a:r>
-              <a:rPr lang="en-US" b="1" dirty="0">
-                <a:latin typeface="Times New Roman" panose="02020603050405020304" pitchFamily="18" charset="0"/>
-                <a:cs typeface="Times New Roman" panose="02020603050405020304" pitchFamily="18" charset="0"/>
-              </a:rPr>
-              <a:t>Sampled Millisecond Pulsar Population: Mass Distribution</a:t>
-            </a:r>
-            <a:endParaRPr lang="de-DE" dirty="0"/>
-          </a:p>
-        </p:txBody>
-      </p:sp>
-      <mc:AlternateContent xmlns:mc="http://schemas.openxmlformats.org/markup-compatibility/2006" xmlns:a14="http://schemas.microsoft.com/office/drawing/2010/main">
-        <mc:Choice Requires="a14">
-          <p:sp>
-            <p:nvSpPr>
-              <p:cNvPr id="3" name="Content Placeholder 2">
-                <a:extLst>
-                  <a:ext uri="{FF2B5EF4-FFF2-40B4-BE49-F238E27FC236}">
-                    <a16:creationId xmlns:a16="http://schemas.microsoft.com/office/drawing/2014/main" id="{8A093466-BF7B-40D6-9AC4-DCFA51C97653}"/>
-                  </a:ext>
-                </a:extLst>
-              </p:cNvPr>
-              <p:cNvSpPr>
-                <a:spLocks noGrp="1"/>
-              </p:cNvSpPr>
-              <p:nvPr>
-                <p:ph idx="1"/>
-              </p:nvPr>
-            </p:nvSpPr>
-            <p:spPr/>
-            <p:txBody>
-              <a:bodyPr>
-                <a:normAutofit/>
-              </a:bodyPr>
-              <a:lstStyle/>
-              <a:p>
-                <a:pPr>
-                  <a:buFont typeface="Arial" panose="020B0604020202020204" pitchFamily="34" charset="0"/>
-                  <a:buChar char="•"/>
-                </a:pPr>
-                <a:r>
-                  <a:rPr lang="en-US" dirty="0">
-                    <a:latin typeface="Times New Roman" panose="02020603050405020304" pitchFamily="18" charset="0"/>
-                    <a:cs typeface="Times New Roman" panose="02020603050405020304" pitchFamily="18" charset="0"/>
-                  </a:rPr>
-                  <a:t> Energy conservation code</a:t>
-                </a:r>
-              </a:p>
-              <a:p>
-                <a:pPr>
-                  <a:buFont typeface="Arial" panose="020B0604020202020204" pitchFamily="34" charset="0"/>
-                  <a:buChar char="•"/>
-                </a:pPr>
-                <a:r>
-                  <a:rPr lang="en-US" dirty="0">
-                    <a:latin typeface="Times New Roman" panose="02020603050405020304" pitchFamily="18" charset="0"/>
-                    <a:cs typeface="Times New Roman" panose="02020603050405020304" pitchFamily="18" charset="0"/>
-                  </a:rPr>
-                  <a:t> Neutron stars tend to be </a:t>
-                </a:r>
-                <a14:m>
-                  <m:oMath xmlns:m="http://schemas.openxmlformats.org/officeDocument/2006/math">
-                    <m:r>
-                      <a:rPr lang="en-US" b="0" i="1" smtClean="0">
-                        <a:latin typeface="Cambria Math" panose="02040503050406030204" pitchFamily="18" charset="0"/>
-                      </a:rPr>
-                      <m:t>1.4 </m:t>
-                    </m:r>
-                    <m:sSub>
-                      <m:sSubPr>
-                        <m:ctrlPr>
-                          <a:rPr lang="en-US" b="0" i="1" smtClean="0">
-                            <a:latin typeface="Cambria Math" panose="02040503050406030204" pitchFamily="18" charset="0"/>
-                          </a:rPr>
-                        </m:ctrlPr>
-                      </m:sSubPr>
-                      <m:e>
-                        <m:r>
-                          <a:rPr lang="en-US" b="0" i="1" smtClean="0">
-                            <a:latin typeface="Cambria Math" panose="02040503050406030204" pitchFamily="18" charset="0"/>
-                          </a:rPr>
-                          <m:t>𝑀</m:t>
-                        </m:r>
-                      </m:e>
-                      <m:sub>
-                        <m:r>
-                          <a:rPr lang="en-US" b="0" i="1" smtClean="0">
-                            <a:latin typeface="Cambria Math" panose="02040503050406030204" pitchFamily="18" charset="0"/>
-                          </a:rPr>
-                          <m:t>⊙</m:t>
-                        </m:r>
-                      </m:sub>
-                    </m:sSub>
-                  </m:oMath>
-                </a14:m>
-                <a:r>
-                  <a:rPr lang="de-DE" dirty="0">
-                    <a:latin typeface="Times New Roman" panose="02020603050405020304" pitchFamily="18" charset="0"/>
-                    <a:cs typeface="Times New Roman" panose="02020603050405020304" pitchFamily="18" charset="0"/>
-                  </a:rPr>
-                  <a:t> (Chandresakhar limit)</a:t>
-                </a:r>
-              </a:p>
-              <a:p>
-                <a:pPr>
-                  <a:buFont typeface="Arial" panose="020B0604020202020204" pitchFamily="34" charset="0"/>
-                  <a:buChar char="•"/>
-                </a:pPr>
-                <a:r>
-                  <a:rPr lang="de-DE" dirty="0">
-                    <a:latin typeface="Times New Roman" panose="02020603050405020304" pitchFamily="18" charset="0"/>
-                    <a:cs typeface="Times New Roman" panose="02020603050405020304" pitchFamily="18" charset="0"/>
-                  </a:rPr>
-                  <a:t> Millisecond pulsars accrete mass</a:t>
-                </a:r>
-              </a:p>
-              <a:p>
-                <a:pPr lvl="1">
-                  <a:buFont typeface="Arial" panose="020B0604020202020204" pitchFamily="34" charset="0"/>
-                  <a:buChar char="•"/>
-                </a:pPr>
-                <a:r>
-                  <a:rPr lang="de-DE" sz="2000" dirty="0">
-                    <a:latin typeface="Times New Roman" panose="02020603050405020304" pitchFamily="18" charset="0"/>
-                    <a:cs typeface="Times New Roman" panose="02020603050405020304" pitchFamily="18" charset="0"/>
-                  </a:rPr>
-                  <a:t>Data taken from Antoniadis et al. 2016</a:t>
-                </a:r>
-              </a:p>
-              <a:p>
-                <a:pPr lvl="2">
-                  <a:buFont typeface="Arial" panose="020B0604020202020204" pitchFamily="34" charset="0"/>
-                  <a:buChar char="•"/>
-                </a:pPr>
-                <a14:m>
-                  <m:oMath xmlns:m="http://schemas.openxmlformats.org/officeDocument/2006/math">
-                    <m:acc>
-                      <m:accPr>
-                        <m:chr m:val="̅"/>
-                        <m:ctrlPr>
-                          <a:rPr lang="en-US" sz="2000" b="0" i="1" smtClean="0">
-                            <a:latin typeface="Cambria Math" panose="02040503050406030204" pitchFamily="18" charset="0"/>
-                            <a:cs typeface="Times New Roman" panose="02020603050405020304" pitchFamily="18" charset="0"/>
-                          </a:rPr>
-                        </m:ctrlPr>
-                      </m:accPr>
-                      <m:e>
-                        <m:r>
-                          <a:rPr lang="en-US" sz="2000" b="0" i="1" smtClean="0">
-                            <a:latin typeface="Cambria Math" panose="02040503050406030204" pitchFamily="18" charset="0"/>
-                            <a:cs typeface="Times New Roman" panose="02020603050405020304" pitchFamily="18" charset="0"/>
-                          </a:rPr>
-                          <m:t>𝑚</m:t>
-                        </m:r>
-                      </m:e>
-                    </m:acc>
-                    <m:r>
-                      <a:rPr lang="en-US" sz="2000" b="0" i="1" smtClean="0">
-                        <a:latin typeface="Cambria Math" panose="02040503050406030204" pitchFamily="18" charset="0"/>
-                        <a:cs typeface="Times New Roman" panose="02020603050405020304" pitchFamily="18" charset="0"/>
-                      </a:rPr>
-                      <m:t>=1.4 </m:t>
-                    </m:r>
-                    <m:sSub>
-                      <m:sSubPr>
-                        <m:ctrlPr>
-                          <a:rPr lang="en-US" sz="2000" b="0" i="1" smtClean="0">
-                            <a:latin typeface="Cambria Math" panose="02040503050406030204" pitchFamily="18" charset="0"/>
-                            <a:cs typeface="Times New Roman" panose="02020603050405020304" pitchFamily="18" charset="0"/>
-                          </a:rPr>
-                        </m:ctrlPr>
-                      </m:sSubPr>
-                      <m:e>
-                        <m:r>
-                          <a:rPr lang="en-US" sz="2000" b="0" i="1" smtClean="0">
-                            <a:latin typeface="Cambria Math" panose="02040503050406030204" pitchFamily="18" charset="0"/>
-                            <a:cs typeface="Times New Roman" panose="02020603050405020304" pitchFamily="18" charset="0"/>
-                          </a:rPr>
-                          <m:t>𝑀</m:t>
-                        </m:r>
-                      </m:e>
-                      <m:sub>
-                        <m:r>
-                          <a:rPr lang="en-US" sz="2000" b="0" i="1" smtClean="0">
-                            <a:latin typeface="Cambria Math" panose="02040503050406030204" pitchFamily="18" charset="0"/>
-                            <a:cs typeface="Times New Roman" panose="02020603050405020304" pitchFamily="18" charset="0"/>
-                          </a:rPr>
-                          <m:t>⊙</m:t>
-                        </m:r>
-                      </m:sub>
-                    </m:sSub>
-                  </m:oMath>
-                </a14:m>
-                <a:endParaRPr lang="de-DE" sz="2000" dirty="0">
-                  <a:latin typeface="Times New Roman" panose="02020603050405020304" pitchFamily="18" charset="0"/>
-                  <a:cs typeface="Times New Roman" panose="02020603050405020304" pitchFamily="18" charset="0"/>
-                </a:endParaRPr>
-              </a:p>
-              <a:p>
-                <a:pPr lvl="2">
-                  <a:buFont typeface="Arial" panose="020B0604020202020204" pitchFamily="34" charset="0"/>
-                  <a:buChar char="•"/>
-                </a:pPr>
-                <a14:m>
-                  <m:oMath xmlns:m="http://schemas.openxmlformats.org/officeDocument/2006/math">
-                    <m:sSub>
-                      <m:sSubPr>
-                        <m:ctrlPr>
-                          <a:rPr lang="en-US" sz="2000" b="0" i="1" smtClean="0">
-                            <a:latin typeface="Cambria Math" panose="02040503050406030204" pitchFamily="18" charset="0"/>
-                            <a:cs typeface="Times New Roman" panose="02020603050405020304" pitchFamily="18" charset="0"/>
-                          </a:rPr>
-                        </m:ctrlPr>
-                      </m:sSubPr>
-                      <m:e>
-                        <m:r>
-                          <a:rPr lang="en-US" sz="2000" b="0" i="1" smtClean="0">
-                            <a:latin typeface="Cambria Math" panose="02040503050406030204" pitchFamily="18" charset="0"/>
-                            <a:cs typeface="Times New Roman" panose="02020603050405020304" pitchFamily="18" charset="0"/>
-                          </a:rPr>
-                          <m:t>𝜎</m:t>
-                        </m:r>
-                      </m:e>
-                      <m:sub>
-                        <m:r>
-                          <a:rPr lang="en-US" sz="2000" b="0" i="1" smtClean="0">
-                            <a:latin typeface="Cambria Math" panose="02040503050406030204" pitchFamily="18" charset="0"/>
-                            <a:cs typeface="Times New Roman" panose="02020603050405020304" pitchFamily="18" charset="0"/>
-                          </a:rPr>
-                          <m:t>𝑚</m:t>
-                        </m:r>
-                      </m:sub>
-                    </m:sSub>
-                    <m:r>
-                      <a:rPr lang="en-US" sz="2000" b="0" i="0" smtClean="0">
-                        <a:latin typeface="Cambria Math" panose="02040503050406030204" pitchFamily="18" charset="0"/>
-                        <a:cs typeface="Times New Roman" panose="02020603050405020304" pitchFamily="18" charset="0"/>
-                      </a:rPr>
-                      <m:t>=0.3 </m:t>
-                    </m:r>
-                    <m:sSub>
-                      <m:sSubPr>
-                        <m:ctrlPr>
-                          <a:rPr lang="en-US" sz="2000" b="0" i="1" smtClean="0">
-                            <a:latin typeface="Cambria Math" panose="02040503050406030204" pitchFamily="18" charset="0"/>
-                            <a:cs typeface="Times New Roman" panose="02020603050405020304" pitchFamily="18" charset="0"/>
-                          </a:rPr>
-                        </m:ctrlPr>
-                      </m:sSubPr>
-                      <m:e>
-                        <m:r>
-                          <a:rPr lang="en-US" sz="2000" b="0" i="1" smtClean="0">
-                            <a:latin typeface="Cambria Math" panose="02040503050406030204" pitchFamily="18" charset="0"/>
-                            <a:cs typeface="Times New Roman" panose="02020603050405020304" pitchFamily="18" charset="0"/>
-                          </a:rPr>
-                          <m:t>𝑀</m:t>
-                        </m:r>
-                      </m:e>
-                      <m:sub>
-                        <m:r>
-                          <a:rPr lang="en-US" sz="2000" b="0" i="1" smtClean="0">
-                            <a:latin typeface="Cambria Math" panose="02040503050406030204" pitchFamily="18" charset="0"/>
-                            <a:cs typeface="Times New Roman" panose="02020603050405020304" pitchFamily="18" charset="0"/>
-                          </a:rPr>
-                          <m:t>⊙</m:t>
-                        </m:r>
-                      </m:sub>
-                    </m:sSub>
-                  </m:oMath>
-                </a14:m>
-                <a:endParaRPr lang="de-DE" sz="2000" dirty="0">
-                  <a:latin typeface="Times New Roman" panose="02020603050405020304" pitchFamily="18" charset="0"/>
-                  <a:cs typeface="Times New Roman" panose="02020603050405020304" pitchFamily="18" charset="0"/>
-                </a:endParaRPr>
-              </a:p>
-              <a:p>
-                <a:pPr>
-                  <a:buFont typeface="Arial" panose="020B0604020202020204" pitchFamily="34" charset="0"/>
-                  <a:buChar char="•"/>
-                </a:pPr>
-                <a:r>
-                  <a:rPr lang="de-DE" dirty="0">
-                    <a:latin typeface="Times New Roman" panose="02020603050405020304" pitchFamily="18" charset="0"/>
-                    <a:cs typeface="Times New Roman" panose="02020603050405020304" pitchFamily="18" charset="0"/>
-                  </a:rPr>
-                  <a:t> Gaussian Distribution – Central Limit Theorem</a:t>
-                </a:r>
-              </a:p>
-            </p:txBody>
-          </p:sp>
-        </mc:Choice>
-        <mc:Fallback xmlns="">
-          <p:sp>
-            <p:nvSpPr>
-              <p:cNvPr id="3" name="Content Placeholder 2">
-                <a:extLst>
-                  <a:ext uri="{FF2B5EF4-FFF2-40B4-BE49-F238E27FC236}">
-                    <a16:creationId xmlns:a16="http://schemas.microsoft.com/office/drawing/2014/main" id="{8A093466-BF7B-40D6-9AC4-DCFA51C97653}"/>
-                  </a:ext>
-                </a:extLst>
-              </p:cNvPr>
-              <p:cNvSpPr>
-                <a:spLocks noGrp="1" noRot="1" noChangeAspect="1" noMove="1" noResize="1" noEditPoints="1" noAdjustHandles="1" noChangeArrowheads="1" noChangeShapeType="1" noTextEdit="1"/>
-              </p:cNvSpPr>
-              <p:nvPr>
-                <p:ph idx="1"/>
-              </p:nvPr>
-            </p:nvSpPr>
-            <p:spPr>
-              <a:blipFill>
-                <a:blip r:embed="rId3"/>
-                <a:stretch>
-                  <a:fillRect l="-1455" t="-1667"/>
-                </a:stretch>
-              </a:blipFill>
-            </p:spPr>
-            <p:txBody>
-              <a:bodyPr/>
-              <a:lstStyle/>
-              <a:p>
-                <a:r>
-                  <a:rPr lang="de-DE">
-                    <a:noFill/>
-                  </a:rPr>
-                  <a:t> </a:t>
-                </a:r>
-              </a:p>
-            </p:txBody>
-          </p:sp>
-        </mc:Fallback>
-      </mc:AlternateContent>
-      <p:sp>
-        <p:nvSpPr>
-          <p:cNvPr id="5" name="TextBox 4">
-            <a:extLst>
-              <a:ext uri="{FF2B5EF4-FFF2-40B4-BE49-F238E27FC236}">
-                <a16:creationId xmlns:a16="http://schemas.microsoft.com/office/drawing/2014/main" id="{3C797C46-52F9-48B7-82C1-BED61BD74B07}"/>
-              </a:ext>
-            </a:extLst>
-          </p:cNvPr>
-          <p:cNvSpPr txBox="1"/>
-          <p:nvPr/>
-        </p:nvSpPr>
-        <p:spPr>
-          <a:xfrm>
-            <a:off x="-1" y="6469112"/>
-            <a:ext cx="5749159" cy="338554"/>
-          </a:xfrm>
-          <a:prstGeom prst="rect">
-            <a:avLst/>
-          </a:prstGeom>
-          <a:noFill/>
-        </p:spPr>
-        <p:txBody>
-          <a:bodyPr wrap="square" rtlCol="0">
-            <a:spAutoFit/>
-          </a:bodyPr>
-          <a:lstStyle/>
-          <a:p>
-            <a:r>
-              <a:rPr lang="en-US" sz="1600" dirty="0">
-                <a:latin typeface="Times New Roman" panose="02020603050405020304" pitchFamily="18" charset="0"/>
-                <a:cs typeface="Times New Roman" panose="02020603050405020304" pitchFamily="18" charset="0"/>
-              </a:rPr>
-              <a:t>2.3 Sampled Millisecond Pulsar Population: Mass Distribution</a:t>
-            </a:r>
-            <a:endParaRPr lang="de-DE" sz="1600" dirty="0">
-              <a:latin typeface="Times New Roman" panose="02020603050405020304" pitchFamily="18" charset="0"/>
-              <a:cs typeface="Times New Roman" panose="02020603050405020304" pitchFamily="18" charset="0"/>
-            </a:endParaRPr>
-          </a:p>
-        </p:txBody>
-      </p:sp>
-    </p:spTree>
-    <p:extLst>
-      <p:ext uri="{BB962C8B-B14F-4D97-AF65-F5344CB8AC3E}">
-        <p14:creationId xmlns:p14="http://schemas.microsoft.com/office/powerpoint/2010/main" val="2079015644"/>
-      </p:ext>
-    </p:extLst>
-  </p:cSld>
-  <p:clrMapOvr>
-    <a:masterClrMapping/>
-  </p:clrMapOvr>
-</p:sld>
-</file>
-
-<file path=ppt/slides/slide11.xml><?xml version="1.0" encoding="utf-8"?>
-<p:sld xmlns:a="http://schemas.openxmlformats.org/drawingml/2006/main" xmlns:r="http://schemas.openxmlformats.org/officeDocument/2006/relationships" xmlns:p="http://schemas.openxmlformats.org/presentationml/2006/main">
-  <p:cSld>
-    <p:spTree>
-      <p:nvGrpSpPr>
-        <p:cNvPr id="1" name=""/>
-        <p:cNvGrpSpPr/>
-        <p:nvPr/>
-      </p:nvGrpSpPr>
-      <p:grpSpPr>
-        <a:xfrm>
-          <a:off x="0" y="0"/>
-          <a:ext cx="0" cy="0"/>
-          <a:chOff x="0" y="0"/>
-          <a:chExt cx="0" cy="0"/>
-        </a:xfrm>
-      </p:grpSpPr>
-      <p:sp>
-        <p:nvSpPr>
-          <p:cNvPr id="2" name="Title 1">
-            <a:extLst>
-              <a:ext uri="{FF2B5EF4-FFF2-40B4-BE49-F238E27FC236}">
                 <a16:creationId xmlns:a16="http://schemas.microsoft.com/office/drawing/2014/main" id="{089176BD-51D0-4789-987E-18FB3CF8C8B0}"/>
               </a:ext>
             </a:extLst>
@@ -5693,36 +5153,16 @@
             </a:r>
           </a:p>
           <a:p>
-            <a:pPr lvl="1">
-              <a:buFont typeface="Arial" panose="020B0604020202020204" pitchFamily="34" charset="0"/>
-              <a:buChar char="•"/>
-            </a:pPr>
-            <a:r>
-              <a:rPr lang="en-US" dirty="0">
-                <a:latin typeface="Times New Roman" panose="02020603050405020304" pitchFamily="18" charset="0"/>
-                <a:cs typeface="Times New Roman" panose="02020603050405020304" pitchFamily="18" charset="0"/>
-              </a:rPr>
-              <a:t>Mass Distribution</a:t>
-            </a:r>
-          </a:p>
-          <a:p>
             <a:pPr>
               <a:buFont typeface="Arial" panose="020B0604020202020204" pitchFamily="34" charset="0"/>
               <a:buChar char="•"/>
             </a:pPr>
             <a:r>
-              <a:rPr lang="en-US" dirty="0">
-                <a:latin typeface="Times New Roman" panose="02020603050405020304" pitchFamily="18" charset="0"/>
-                <a:cs typeface="Times New Roman" panose="02020603050405020304" pitchFamily="18" charset="0"/>
-              </a:rPr>
-              <a:t> </a:t>
-            </a:r>
-            <a:r>
               <a:rPr lang="en-US" u="sng" dirty="0">
                 <a:latin typeface="Times New Roman" panose="02020603050405020304" pitchFamily="18" charset="0"/>
                 <a:cs typeface="Times New Roman" panose="02020603050405020304" pitchFamily="18" charset="0"/>
               </a:rPr>
-              <a:t>The Code</a:t>
+              <a:t> The Code</a:t>
             </a:r>
           </a:p>
           <a:p>
@@ -5972,7 +5412,7 @@
                 <a:latin typeface="Times New Roman" panose="02020603050405020304" pitchFamily="18" charset="0"/>
                 <a:cs typeface="Times New Roman" panose="02020603050405020304" pitchFamily="18" charset="0"/>
               </a:rPr>
-              <a:t>Birth Rate</a:t>
+              <a:t>Velocity Distribution</a:t>
             </a:r>
           </a:p>
           <a:p>
@@ -5985,20 +5425,7 @@
                 <a:latin typeface="Times New Roman" panose="02020603050405020304" pitchFamily="18" charset="0"/>
                 <a:cs typeface="Times New Roman" panose="02020603050405020304" pitchFamily="18" charset="0"/>
               </a:rPr>
-              <a:t>Velocity Distribution</a:t>
-            </a:r>
-          </a:p>
-          <a:p>
-            <a:pPr lvl="1">
-              <a:buFont typeface="Arial" panose="020B0604020202020204" pitchFamily="34" charset="0"/>
-              <a:buChar char="•"/>
-            </a:pPr>
-            <a:r>
-              <a:rPr lang="en-US" dirty="0">
-                <a:latin typeface="Times New Roman" panose="02020603050405020304" pitchFamily="18" charset="0"/>
-                <a:cs typeface="Times New Roman" panose="02020603050405020304" pitchFamily="18" charset="0"/>
-              </a:rPr>
-              <a:t>Mass Distribution</a:t>
+              <a:t>Birth Rate</a:t>
             </a:r>
           </a:p>
           <a:p>
@@ -6250,19 +5677,6 @@
             </a:r>
           </a:p>
           <a:p>
-            <a:pPr lvl="1">
-              <a:buFont typeface="Arial" panose="020B0604020202020204" pitchFamily="34" charset="0"/>
-              <a:buChar char="•"/>
-            </a:pPr>
-            <a:r>
-              <a:rPr lang="en-US" dirty="0">
-                <a:latin typeface="Times New Roman" panose="02020603050405020304" pitchFamily="18" charset="0"/>
-                <a:cs typeface="Times New Roman" panose="02020603050405020304" pitchFamily="18" charset="0"/>
-              </a:rPr>
-              <a:t>Mass Distribution</a:t>
-            </a:r>
-          </a:p>
-          <a:p>
             <a:pPr>
               <a:buFont typeface="Arial" panose="020B0604020202020204" pitchFamily="34" charset="0"/>
               <a:buChar char="•"/>
@@ -6477,7 +5891,33 @@
                 <a:latin typeface="Times New Roman" panose="02020603050405020304" pitchFamily="18" charset="0"/>
                 <a:cs typeface="Times New Roman" panose="02020603050405020304" pitchFamily="18" charset="0"/>
               </a:rPr>
-              <a:t>  Research targets for a wide range of physics</a:t>
+              <a:t> Millisecond pulsars rotate 30 to 700 times per second</a:t>
+            </a:r>
+          </a:p>
+          <a:p>
+            <a:pPr>
+              <a:buFont typeface="Arial" panose="020B0604020202020204" pitchFamily="34" charset="0"/>
+              <a:buChar char="•"/>
+            </a:pPr>
+            <a:r>
+              <a:rPr lang="en-US" dirty="0">
+                <a:latin typeface="Times New Roman" panose="02020603050405020304" pitchFamily="18" charset="0"/>
+                <a:cs typeface="Times New Roman" panose="02020603050405020304" pitchFamily="18" charset="0"/>
+              </a:rPr>
+              <a:t> Lifetime comparable to the age of the Universe</a:t>
+            </a:r>
+          </a:p>
+          <a:p>
+            <a:pPr>
+              <a:buFont typeface="Arial" panose="020B0604020202020204" pitchFamily="34" charset="0"/>
+              <a:buChar char="•"/>
+            </a:pPr>
+            <a:r>
+              <a:rPr lang="en-US" dirty="0">
+                <a:latin typeface="Times New Roman" panose="02020603050405020304" pitchFamily="18" charset="0"/>
+                <a:cs typeface="Times New Roman" panose="02020603050405020304" pitchFamily="18" charset="0"/>
+              </a:rPr>
+              <a:t> Research targets for a wide range of physics</a:t>
             </a:r>
           </a:p>
           <a:p>
@@ -6515,26 +5955,10 @@
               <a:buFont typeface="Arial" panose="020B0604020202020204" pitchFamily="34" charset="0"/>
               <a:buChar char="•"/>
             </a:pPr>
-            <a:r>
-              <a:rPr lang="en-US" dirty="0">
-                <a:latin typeface="Times New Roman" panose="02020603050405020304" pitchFamily="18" charset="0"/>
-                <a:cs typeface="Times New Roman" panose="02020603050405020304" pitchFamily="18" charset="0"/>
-              </a:rPr>
-              <a:t> Millisecond pulsars rotate 30 to 700 times per second</a:t>
-            </a:r>
-          </a:p>
-          <a:p>
-            <a:pPr>
-              <a:buFont typeface="Arial" panose="020B0604020202020204" pitchFamily="34" charset="0"/>
-              <a:buChar char="•"/>
-            </a:pPr>
-            <a:r>
-              <a:rPr lang="en-US" dirty="0">
-                <a:latin typeface="Times New Roman" panose="02020603050405020304" pitchFamily="18" charset="0"/>
-                <a:cs typeface="Times New Roman" panose="02020603050405020304" pitchFamily="18" charset="0"/>
-              </a:rPr>
-              <a:t> Lifetime comparable to the age of the Universe</a:t>
-            </a:r>
+            <a:endParaRPr lang="en-US" dirty="0">
+              <a:latin typeface="Times New Roman" panose="02020603050405020304" pitchFamily="18" charset="0"/>
+              <a:cs typeface="Times New Roman" panose="02020603050405020304" pitchFamily="18" charset="0"/>
+            </a:endParaRPr>
           </a:p>
         </p:txBody>
       </p:sp>
@@ -6574,79 +5998,6 @@
               <a:t>1. Millisecond Pulsars: What are they?</a:t>
             </a:r>
             <a:endParaRPr lang="de-DE" sz="1600" dirty="0">
-              <a:latin typeface="Times New Roman" panose="02020603050405020304" pitchFamily="18" charset="0"/>
-              <a:cs typeface="Times New Roman" panose="02020603050405020304" pitchFamily="18" charset="0"/>
-            </a:endParaRPr>
-          </a:p>
-        </p:txBody>
-      </p:sp>
-      <p:pic>
-        <p:nvPicPr>
-          <p:cNvPr id="9" name="Picture 8">
-            <a:extLst>
-              <a:ext uri="{FF2B5EF4-FFF2-40B4-BE49-F238E27FC236}">
-                <a16:creationId xmlns:a16="http://schemas.microsoft.com/office/drawing/2014/main" id="{755DAB4E-EC1F-42C9-8D4C-259D5FF858E1}"/>
-              </a:ext>
-            </a:extLst>
-          </p:cNvPr>
-          <p:cNvPicPr>
-            <a:picLocks noChangeAspect="1"/>
-          </p:cNvPicPr>
-          <p:nvPr/>
-        </p:nvPicPr>
-        <p:blipFill>
-          <a:blip r:embed="rId3"/>
-          <a:stretch>
-            <a:fillRect/>
-          </a:stretch>
-        </p:blipFill>
-        <p:spPr>
-          <a:xfrm>
-            <a:off x="6768791" y="2174432"/>
-            <a:ext cx="5164060" cy="2509135"/>
-          </a:xfrm>
-          <a:prstGeom prst="rect">
-            <a:avLst/>
-          </a:prstGeom>
-        </p:spPr>
-      </p:pic>
-      <p:sp>
-        <p:nvSpPr>
-          <p:cNvPr id="10" name="TextBox 9">
-            <a:extLst>
-              <a:ext uri="{FF2B5EF4-FFF2-40B4-BE49-F238E27FC236}">
-                <a16:creationId xmlns:a16="http://schemas.microsoft.com/office/drawing/2014/main" id="{3379FB2F-FE27-4B71-B35E-A58BECDA9E5B}"/>
-              </a:ext>
-            </a:extLst>
-          </p:cNvPr>
-          <p:cNvSpPr txBox="1"/>
-          <p:nvPr/>
-        </p:nvSpPr>
-        <p:spPr>
-          <a:xfrm>
-            <a:off x="6618249" y="4800330"/>
-            <a:ext cx="5465143" cy="276999"/>
-          </a:xfrm>
-          <a:prstGeom prst="rect">
-            <a:avLst/>
-          </a:prstGeom>
-          <a:noFill/>
-        </p:spPr>
-        <p:txBody>
-          <a:bodyPr wrap="square" rtlCol="0">
-            <a:spAutoFit/>
-          </a:bodyPr>
-          <a:lstStyle/>
-          <a:p>
-            <a:pPr algn="ctr"/>
-            <a:r>
-              <a:rPr lang="en-US" sz="1200" dirty="0">
-                <a:latin typeface="Times New Roman" panose="02020603050405020304" pitchFamily="18" charset="0"/>
-                <a:cs typeface="Times New Roman" panose="02020603050405020304" pitchFamily="18" charset="0"/>
-              </a:rPr>
-              <a:t>Image courtesy of Lorimer 2001</a:t>
-            </a:r>
-            <a:endParaRPr lang="de-DE" sz="1200" dirty="0">
               <a:latin typeface="Times New Roman" panose="02020603050405020304" pitchFamily="18" charset="0"/>
               <a:cs typeface="Times New Roman" panose="02020603050405020304" pitchFamily="18" charset="0"/>
             </a:endParaRPr>
@@ -6797,19 +6148,6 @@
                 <a:cs typeface="Times New Roman" panose="02020603050405020304" pitchFamily="18" charset="0"/>
               </a:rPr>
               <a:t>Birth Rate</a:t>
-            </a:r>
-          </a:p>
-          <a:p>
-            <a:pPr lvl="1">
-              <a:buFont typeface="Arial" panose="020B0604020202020204" pitchFamily="34" charset="0"/>
-              <a:buChar char="•"/>
-            </a:pPr>
-            <a:r>
-              <a:rPr lang="en-US" dirty="0">
-                <a:latin typeface="Times New Roman" panose="02020603050405020304" pitchFamily="18" charset="0"/>
-                <a:cs typeface="Times New Roman" panose="02020603050405020304" pitchFamily="18" charset="0"/>
-              </a:rPr>
-              <a:t>Mass Distribution</a:t>
             </a:r>
           </a:p>
           <a:p>

--- a/Documents/The Milky Way and its Millisecond Pulsar Population.pptx
+++ b/Documents/The Milky Way and its Millisecond Pulsar Population.pptx
@@ -206,7 +206,7 @@
           <a:p>
             <a:fld id="{75202F4A-0407-4F23-82C4-EE0ACC59E947}" type="datetimeFigureOut">
               <a:rPr lang="de-DE" smtClean="0"/>
-              <a:t>13.11.2020</a:t>
+              <a:t>14.11.2020</a:t>
             </a:fld>
             <a:endParaRPr lang="de-DE"/>
           </a:p>
@@ -1348,7 +1348,7 @@
           <a:p>
             <a:fld id="{AA70F276-1833-4A75-9C1D-A56E2295A68D}" type="datetimeFigureOut">
               <a:rPr lang="en-US" smtClean="0"/>
-              <a:t>11/13/2020</a:t>
+              <a:t>11/14/2020</a:t>
             </a:fld>
             <a:endParaRPr lang="en-US"/>
           </a:p>
@@ -1556,7 +1556,7 @@
           <a:p>
             <a:fld id="{AA70F276-1833-4A75-9C1D-A56E2295A68D}" type="datetimeFigureOut">
               <a:rPr lang="en-US" smtClean="0"/>
-              <a:t>11/13/2020</a:t>
+              <a:t>11/14/2020</a:t>
             </a:fld>
             <a:endParaRPr lang="en-US"/>
           </a:p>
@@ -1814,7 +1814,7 @@
           <a:p>
             <a:fld id="{AA70F276-1833-4A75-9C1D-A56E2295A68D}" type="datetimeFigureOut">
               <a:rPr lang="en-US" smtClean="0"/>
-              <a:t>11/13/2020</a:t>
+              <a:t>11/14/2020</a:t>
             </a:fld>
             <a:endParaRPr lang="en-US"/>
           </a:p>
@@ -1984,7 +1984,7 @@
           <a:p>
             <a:fld id="{AA70F276-1833-4A75-9C1D-A56E2295A68D}" type="datetimeFigureOut">
               <a:rPr lang="en-US" smtClean="0"/>
-              <a:t>11/13/2020</a:t>
+              <a:t>11/14/2020</a:t>
             </a:fld>
             <a:endParaRPr lang="en-US"/>
           </a:p>
@@ -2321,7 +2321,7 @@
           <a:p>
             <a:fld id="{AA70F276-1833-4A75-9C1D-A56E2295A68D}" type="datetimeFigureOut">
               <a:rPr lang="en-US" smtClean="0"/>
-              <a:t>11/13/2020</a:t>
+              <a:t>11/14/2020</a:t>
             </a:fld>
             <a:endParaRPr lang="en-US"/>
           </a:p>
@@ -2596,7 +2596,7 @@
           <a:p>
             <a:fld id="{AA70F276-1833-4A75-9C1D-A56E2295A68D}" type="datetimeFigureOut">
               <a:rPr lang="en-US" smtClean="0"/>
-              <a:t>11/13/2020</a:t>
+              <a:t>11/14/2020</a:t>
             </a:fld>
             <a:endParaRPr lang="en-US"/>
           </a:p>
@@ -2979,7 +2979,7 @@
           <a:p>
             <a:fld id="{AA70F276-1833-4A75-9C1D-A56E2295A68D}" type="datetimeFigureOut">
               <a:rPr lang="en-US" smtClean="0"/>
-              <a:t>11/13/2020</a:t>
+              <a:t>11/14/2020</a:t>
             </a:fld>
             <a:endParaRPr lang="en-US"/>
           </a:p>
@@ -3097,7 +3097,7 @@
           <a:p>
             <a:fld id="{AA70F276-1833-4A75-9C1D-A56E2295A68D}" type="datetimeFigureOut">
               <a:rPr lang="en-US" smtClean="0"/>
-              <a:t>11/13/2020</a:t>
+              <a:t>11/14/2020</a:t>
             </a:fld>
             <a:endParaRPr lang="en-US"/>
           </a:p>
@@ -3270,7 +3270,7 @@
           <a:p>
             <a:fld id="{AA70F276-1833-4A75-9C1D-A56E2295A68D}" type="datetimeFigureOut">
               <a:rPr lang="en-US" smtClean="0"/>
-              <a:t>11/13/2020</a:t>
+              <a:t>11/14/2020</a:t>
             </a:fld>
             <a:endParaRPr lang="en-US"/>
           </a:p>
@@ -3626,7 +3626,7 @@
           <a:p>
             <a:fld id="{AA70F276-1833-4A75-9C1D-A56E2295A68D}" type="datetimeFigureOut">
               <a:rPr lang="en-US" smtClean="0"/>
-              <a:t>11/13/2020</a:t>
+              <a:t>11/14/2020</a:t>
             </a:fld>
             <a:endParaRPr lang="en-US"/>
           </a:p>
@@ -3974,7 +3974,7 @@
           <a:p>
             <a:fld id="{AA70F276-1833-4A75-9C1D-A56E2295A68D}" type="datetimeFigureOut">
               <a:rPr lang="en-US" smtClean="0"/>
-              <a:t>11/13/2020</a:t>
+              <a:t>11/14/2020</a:t>
             </a:fld>
             <a:endParaRPr lang="en-US"/>
           </a:p>
@@ -4286,7 +4286,7 @@
             <a:fld id="{AA70F276-1833-4A75-9C1D-A56E2295A68D}" type="datetimeFigureOut">
               <a:rPr lang="en-US" smtClean="0"/>
               <a:pPr/>
-              <a:t>11/13/2020</a:t>
+              <a:t>11/14/2020</a:t>
             </a:fld>
             <a:endParaRPr lang="en-US" dirty="0"/>
           </a:p>
@@ -5917,33 +5917,7 @@
                 <a:latin typeface="Times New Roman" panose="02020603050405020304" pitchFamily="18" charset="0"/>
                 <a:cs typeface="Times New Roman" panose="02020603050405020304" pitchFamily="18" charset="0"/>
               </a:rPr>
-              <a:t> Research targets for a wide range of physics</a:t>
-            </a:r>
-          </a:p>
-          <a:p>
-            <a:pPr lvl="1">
-              <a:buFont typeface="Arial" panose="020B0604020202020204" pitchFamily="34" charset="0"/>
-              <a:buChar char="•"/>
-            </a:pPr>
-            <a:r>
-              <a:rPr lang="en-US" dirty="0">
-                <a:latin typeface="Times New Roman" panose="02020603050405020304" pitchFamily="18" charset="0"/>
-                <a:cs typeface="Times New Roman" panose="02020603050405020304" pitchFamily="18" charset="0"/>
-              </a:rPr>
-              <a:t>General Relativity</a:t>
-            </a:r>
-          </a:p>
-          <a:p>
-            <a:pPr lvl="1">
-              <a:buFont typeface="Arial" panose="020B0604020202020204" pitchFamily="34" charset="0"/>
-              <a:buChar char="•"/>
-            </a:pPr>
-            <a:r>
-              <a:rPr lang="en-US" dirty="0">
-                <a:latin typeface="Times New Roman" panose="02020603050405020304" pitchFamily="18" charset="0"/>
-                <a:cs typeface="Times New Roman" panose="02020603050405020304" pitchFamily="18" charset="0"/>
-              </a:rPr>
-              <a:t>Planetary Systems </a:t>
+              <a:t> Tend to be binary systems</a:t>
             </a:r>
             <a:endParaRPr lang="de-DE" dirty="0">
               <a:latin typeface="Times New Roman" panose="02020603050405020304" pitchFamily="18" charset="0"/>
